--- a/ppts/8 - Time series.pptx
+++ b/ppts/8 - Time series.pptx
@@ -5,20 +5,30 @@
     <p:sldMasterId id="2147483648" r:id="rId1"/>
   </p:sldMasterIdLst>
   <p:notesMasterIdLst>
-    <p:notesMasterId r:id="rId5"/>
+    <p:notesMasterId r:id="rId15"/>
   </p:notesMasterIdLst>
   <p:handoutMasterIdLst>
-    <p:handoutMasterId r:id="rId6"/>
+    <p:handoutMasterId r:id="rId16"/>
   </p:handoutMasterIdLst>
   <p:sldIdLst>
     <p:sldId id="256" r:id="rId2"/>
     <p:sldId id="265" r:id="rId3"/>
-    <p:sldId id="264" r:id="rId4"/>
+    <p:sldId id="266" r:id="rId4"/>
+    <p:sldId id="267" r:id="rId5"/>
+    <p:sldId id="269" r:id="rId6"/>
+    <p:sldId id="268" r:id="rId7"/>
+    <p:sldId id="271" r:id="rId8"/>
+    <p:sldId id="270" r:id="rId9"/>
+    <p:sldId id="272" r:id="rId10"/>
+    <p:sldId id="273" r:id="rId11"/>
+    <p:sldId id="274" r:id="rId12"/>
+    <p:sldId id="275" r:id="rId13"/>
+    <p:sldId id="276" r:id="rId14"/>
   </p:sldIdLst>
   <p:sldSz cx="12192000" cy="6858000"/>
   <p:notesSz cx="6858000" cy="9144000"/>
   <p:custDataLst>
-    <p:tags r:id="rId7"/>
+    <p:tags r:id="rId17"/>
   </p:custDataLst>
   <p:defaultTextStyle>
     <a:defPPr>
@@ -232,7 +242,7 @@
           <a:p>
             <a:fld id="{15E4F5CE-CB34-4A0C-9595-867A2C0DB20E}" type="datetimeFigureOut">
               <a:rPr lang="nl-BE" smtClean="0"/>
-              <a:t>13/05/2025</a:t>
+              <a:t>16/05/2025</a:t>
             </a:fld>
             <a:endParaRPr lang="nl-BE"/>
           </a:p>
@@ -409,7 +419,7 @@
           <a:p>
             <a:fld id="{4D53584B-980D-4F7D-BA36-682FCDF648BB}" type="datetimeFigureOut">
               <a:rPr lang="nl-BE" smtClean="0"/>
-              <a:t>13/05/2025</a:t>
+              <a:t>16/05/2025</a:t>
             </a:fld>
             <a:endParaRPr lang="nl-BE"/>
           </a:p>
@@ -910,7 +920,7 @@
           <a:p>
             <a:fld id="{F456E141-11F1-487F-A892-18B8A63336C7}" type="datetime1">
               <a:rPr lang="nl-BE" smtClean="0"/>
-              <a:t>13/05/2025</a:t>
+              <a:t>16/05/2025</a:t>
             </a:fld>
             <a:endParaRPr lang="nl-BE"/>
           </a:p>
@@ -1226,7 +1236,7 @@
           <a:p>
             <a:fld id="{85CAFD92-94F2-4CD0-8A1D-AA3295115CEC}" type="datetime1">
               <a:rPr lang="nl-BE" smtClean="0"/>
-              <a:t>13/05/2025</a:t>
+              <a:t>16/05/2025</a:t>
             </a:fld>
             <a:endParaRPr lang="nl-BE"/>
           </a:p>
@@ -1406,7 +1416,7 @@
           <a:p>
             <a:fld id="{02B84EFA-B363-4043-A12E-44B39EC7D05B}" type="datetime1">
               <a:rPr lang="nl-BE" smtClean="0"/>
-              <a:t>13/05/2025</a:t>
+              <a:t>16/05/2025</a:t>
             </a:fld>
             <a:endParaRPr lang="nl-BE"/>
           </a:p>
@@ -1605,7 +1615,7 @@
           <a:p>
             <a:fld id="{B7AA89A6-C9B9-4556-BC9E-5E3CF3322A33}" type="datetime1">
               <a:rPr lang="nl-BE" smtClean="0"/>
-              <a:t>13/05/2025</a:t>
+              <a:t>16/05/2025</a:t>
             </a:fld>
             <a:endParaRPr lang="nl-BE"/>
           </a:p>
@@ -1856,7 +1866,7 @@
           <a:p>
             <a:fld id="{6CEB42D4-4FBB-465F-AE58-8ADBDBF671C8}" type="datetime1">
               <a:rPr lang="nl-BE" smtClean="0"/>
-              <a:t>13/05/2025</a:t>
+              <a:t>16/05/2025</a:t>
             </a:fld>
             <a:endParaRPr lang="nl-BE"/>
           </a:p>
@@ -2088,7 +2098,7 @@
           <a:p>
             <a:fld id="{64B405D5-C0FD-42E0-9EB1-2670F471B7BB}" type="datetime1">
               <a:rPr lang="nl-BE" smtClean="0"/>
-              <a:t>13/05/2025</a:t>
+              <a:t>16/05/2025</a:t>
             </a:fld>
             <a:endParaRPr lang="nl-BE"/>
           </a:p>
@@ -2455,7 +2465,7 @@
           <a:p>
             <a:fld id="{4CB55C39-C031-448F-A58F-CA88F7B6F786}" type="datetime1">
               <a:rPr lang="nl-BE" smtClean="0"/>
-              <a:t>13/05/2025</a:t>
+              <a:t>16/05/2025</a:t>
             </a:fld>
             <a:endParaRPr lang="nl-BE"/>
           </a:p>
@@ -2573,7 +2583,7 @@
           <a:p>
             <a:fld id="{E29307F5-1DF0-4FFF-91A4-1E1A6A26A94A}" type="datetime1">
               <a:rPr lang="nl-BE" smtClean="0"/>
-              <a:t>13/05/2025</a:t>
+              <a:t>16/05/2025</a:t>
             </a:fld>
             <a:endParaRPr lang="nl-BE"/>
           </a:p>
@@ -2668,7 +2678,7 @@
           <a:p>
             <a:fld id="{00A9168B-A159-4E9D-A6C6-C6786C6AB2EB}" type="datetime1">
               <a:rPr lang="nl-BE" smtClean="0"/>
-              <a:t>13/05/2025</a:t>
+              <a:t>16/05/2025</a:t>
             </a:fld>
             <a:endParaRPr lang="nl-BE"/>
           </a:p>
@@ -2945,7 +2955,7 @@
           <a:p>
             <a:fld id="{E9D22159-AF82-4D23-BC06-D4277BDD9BAD}" type="datetime1">
               <a:rPr lang="nl-BE" smtClean="0"/>
-              <a:t>13/05/2025</a:t>
+              <a:t>16/05/2025</a:t>
             </a:fld>
             <a:endParaRPr lang="nl-BE"/>
           </a:p>
@@ -3198,7 +3208,7 @@
           <a:p>
             <a:fld id="{D08A7014-C292-4E4F-926C-1A31F538B52A}" type="datetime1">
               <a:rPr lang="nl-BE" smtClean="0"/>
-              <a:t>13/05/2025</a:t>
+              <a:t>16/05/2025</a:t>
             </a:fld>
             <a:endParaRPr lang="nl-BE"/>
           </a:p>
@@ -3411,7 +3421,7 @@
           <a:p>
             <a:fld id="{E9CC7161-F687-474C-905A-3CCBBA535086}" type="datetime1">
               <a:rPr lang="nl-BE" smtClean="0"/>
-              <a:t>13/05/2025</a:t>
+              <a:t>16/05/2025</a:t>
             </a:fld>
             <a:endParaRPr lang="nl-BE"/>
           </a:p>
@@ -4102,6 +4112,970 @@
 </p:sld>
 </file>
 
+<file path=ppt/slides/slide10.xml><?xml version="1.0" encoding="utf-8"?>
+<p:sld xmlns:a="http://schemas.openxmlformats.org/drawingml/2006/main" xmlns:r="http://schemas.openxmlformats.org/officeDocument/2006/relationships" xmlns:p="http://schemas.openxmlformats.org/presentationml/2006/main">
+  <p:cSld>
+    <p:spTree>
+      <p:nvGrpSpPr>
+        <p:cNvPr id="1" name=""/>
+        <p:cNvGrpSpPr/>
+        <p:nvPr/>
+      </p:nvGrpSpPr>
+      <p:grpSpPr>
+        <a:xfrm>
+          <a:off x="0" y="0"/>
+          <a:ext cx="0" cy="0"/>
+          <a:chOff x="0" y="0"/>
+          <a:chExt cx="0" cy="0"/>
+        </a:xfrm>
+      </p:grpSpPr>
+      <p:sp>
+        <p:nvSpPr>
+          <p:cNvPr id="2" name="Title 1">
+            <a:extLst>
+              <a:ext uri="{FF2B5EF4-FFF2-40B4-BE49-F238E27FC236}">
+                <a16:creationId xmlns:a16="http://schemas.microsoft.com/office/drawing/2014/main" id="{6F3C7C39-D278-797C-DCB1-0B75FB755446}"/>
+              </a:ext>
+            </a:extLst>
+          </p:cNvPr>
+          <p:cNvSpPr>
+            <a:spLocks noGrp="1"/>
+          </p:cNvSpPr>
+          <p:nvPr>
+            <p:ph type="title"/>
+          </p:nvPr>
+        </p:nvSpPr>
+        <p:spPr/>
+        <p:txBody>
+          <a:bodyPr/>
+          <a:lstStyle/>
+          <a:p>
+            <a:r>
+              <a:rPr lang="en-US" dirty="0"/>
+              <a:t>Stability and stationarity</a:t>
+            </a:r>
+          </a:p>
+        </p:txBody>
+      </p:sp>
+      <p:sp>
+        <p:nvSpPr>
+          <p:cNvPr id="3" name="Content Placeholder 2">
+            <a:extLst>
+              <a:ext uri="{FF2B5EF4-FFF2-40B4-BE49-F238E27FC236}">
+                <a16:creationId xmlns:a16="http://schemas.microsoft.com/office/drawing/2014/main" id="{DE97C100-C289-5AC6-73B1-2A66D507E8AB}"/>
+              </a:ext>
+            </a:extLst>
+          </p:cNvPr>
+          <p:cNvSpPr>
+            <a:spLocks noGrp="1"/>
+          </p:cNvSpPr>
+          <p:nvPr>
+            <p:ph idx="1"/>
+          </p:nvPr>
+        </p:nvSpPr>
+        <p:spPr>
+          <a:xfrm>
+            <a:off x="582705" y="4263775"/>
+            <a:ext cx="11291048" cy="1913188"/>
+          </a:xfrm>
+        </p:spPr>
+        <p:txBody>
+          <a:bodyPr/>
+          <a:lstStyle/>
+          <a:p>
+            <a:r>
+              <a:rPr lang="en-US" dirty="0"/>
+              <a:t>Stationary: Data revolves around a center point</a:t>
+            </a:r>
+          </a:p>
+          <a:p>
+            <a:r>
+              <a:rPr lang="en-US" dirty="0"/>
+              <a:t>Stable (non stationary): Has an upward trend (mean and variance change over time)</a:t>
+            </a:r>
+          </a:p>
+          <a:p>
+            <a:r>
+              <a:rPr lang="en-US" dirty="0"/>
+              <a:t>Non-stable: data grows exponentially</a:t>
+            </a:r>
+            <a:r>
+              <a:rPr lang="nl-BE" dirty="0"/>
+              <a:t> </a:t>
+            </a:r>
+            <a:r>
+              <a:rPr lang="nl-BE" dirty="0" err="1"/>
+              <a:t>with</a:t>
+            </a:r>
+            <a:r>
+              <a:rPr lang="nl-BE" dirty="0"/>
+              <a:t> </a:t>
+            </a:r>
+            <a:r>
+              <a:rPr lang="nl-BE" dirty="0" err="1"/>
+              <a:t>increasing</a:t>
+            </a:r>
+            <a:r>
+              <a:rPr lang="nl-BE" dirty="0"/>
+              <a:t> </a:t>
+            </a:r>
+            <a:r>
+              <a:rPr lang="nl-BE" dirty="0" err="1"/>
+              <a:t>variance</a:t>
+            </a:r>
+            <a:endParaRPr lang="en-US" dirty="0"/>
+          </a:p>
+        </p:txBody>
+      </p:sp>
+      <p:sp>
+        <p:nvSpPr>
+          <p:cNvPr id="4" name="Slide Number Placeholder 3">
+            <a:extLst>
+              <a:ext uri="{FF2B5EF4-FFF2-40B4-BE49-F238E27FC236}">
+                <a16:creationId xmlns:a16="http://schemas.microsoft.com/office/drawing/2014/main" id="{04258902-D342-CAFE-2DB0-95182D2BAA3F}"/>
+              </a:ext>
+            </a:extLst>
+          </p:cNvPr>
+          <p:cNvSpPr>
+            <a:spLocks noGrp="1"/>
+          </p:cNvSpPr>
+          <p:nvPr>
+            <p:ph type="sldNum" sz="quarter" idx="12"/>
+          </p:nvPr>
+        </p:nvSpPr>
+        <p:spPr/>
+        <p:txBody>
+          <a:bodyPr/>
+          <a:lstStyle/>
+          <a:p>
+            <a:fld id="{FE1B3154-47D9-4402-8EDB-E791933DC0B9}" type="slidenum">
+              <a:rPr lang="nl-BE" smtClean="0"/>
+              <a:pPr/>
+              <a:t>10</a:t>
+            </a:fld>
+            <a:endParaRPr lang="nl-BE"/>
+          </a:p>
+        </p:txBody>
+      </p:sp>
+      <p:pic>
+        <p:nvPicPr>
+          <p:cNvPr id="6" name="Picture 5">
+            <a:extLst>
+              <a:ext uri="{FF2B5EF4-FFF2-40B4-BE49-F238E27FC236}">
+                <a16:creationId xmlns:a16="http://schemas.microsoft.com/office/drawing/2014/main" id="{8876301F-53DC-0A4F-8F52-379ABFFD5F37}"/>
+              </a:ext>
+            </a:extLst>
+          </p:cNvPr>
+          <p:cNvPicPr>
+            <a:picLocks noChangeAspect="1"/>
+          </p:cNvPicPr>
+          <p:nvPr/>
+        </p:nvPicPr>
+        <p:blipFill>
+          <a:blip r:embed="rId2"/>
+          <a:stretch>
+            <a:fillRect/>
+          </a:stretch>
+        </p:blipFill>
+        <p:spPr>
+          <a:xfrm>
+            <a:off x="2880139" y="1420862"/>
+            <a:ext cx="6176227" cy="2635190"/>
+          </a:xfrm>
+          <a:prstGeom prst="rect">
+            <a:avLst/>
+          </a:prstGeom>
+        </p:spPr>
+      </p:pic>
+    </p:spTree>
+    <p:extLst>
+      <p:ext uri="{BB962C8B-B14F-4D97-AF65-F5344CB8AC3E}">
+        <p14:creationId xmlns:p14="http://schemas.microsoft.com/office/powerpoint/2010/main" val="844463184"/>
+      </p:ext>
+    </p:extLst>
+  </p:cSld>
+  <p:clrMapOvr>
+    <a:masterClrMapping/>
+  </p:clrMapOvr>
+</p:sld>
+</file>
+
+<file path=ppt/slides/slide11.xml><?xml version="1.0" encoding="utf-8"?>
+<p:sld xmlns:a="http://schemas.openxmlformats.org/drawingml/2006/main" xmlns:r="http://schemas.openxmlformats.org/officeDocument/2006/relationships" xmlns:p="http://schemas.openxmlformats.org/presentationml/2006/main">
+  <p:cSld>
+    <p:spTree>
+      <p:nvGrpSpPr>
+        <p:cNvPr id="1" name=""/>
+        <p:cNvGrpSpPr/>
+        <p:nvPr/>
+      </p:nvGrpSpPr>
+      <p:grpSpPr>
+        <a:xfrm>
+          <a:off x="0" y="0"/>
+          <a:ext cx="0" cy="0"/>
+          <a:chOff x="0" y="0"/>
+          <a:chExt cx="0" cy="0"/>
+        </a:xfrm>
+      </p:grpSpPr>
+      <p:sp>
+        <p:nvSpPr>
+          <p:cNvPr id="2" name="Title 1">
+            <a:extLst>
+              <a:ext uri="{FF2B5EF4-FFF2-40B4-BE49-F238E27FC236}">
+                <a16:creationId xmlns:a16="http://schemas.microsoft.com/office/drawing/2014/main" id="{B73C54B6-1A4A-0D80-632F-FAF68ECFC15F}"/>
+              </a:ext>
+            </a:extLst>
+          </p:cNvPr>
+          <p:cNvSpPr>
+            <a:spLocks noGrp="1"/>
+          </p:cNvSpPr>
+          <p:nvPr>
+            <p:ph type="title"/>
+          </p:nvPr>
+        </p:nvSpPr>
+        <p:spPr/>
+        <p:txBody>
+          <a:bodyPr/>
+          <a:lstStyle/>
+          <a:p>
+            <a:r>
+              <a:rPr lang="en-US" dirty="0"/>
+              <a:t>Stability and stationarity</a:t>
+            </a:r>
+          </a:p>
+        </p:txBody>
+      </p:sp>
+      <p:sp>
+        <p:nvSpPr>
+          <p:cNvPr id="3" name="Content Placeholder 2">
+            <a:extLst>
+              <a:ext uri="{FF2B5EF4-FFF2-40B4-BE49-F238E27FC236}">
+                <a16:creationId xmlns:a16="http://schemas.microsoft.com/office/drawing/2014/main" id="{DE8395FF-E96A-8DAD-BFEF-08399E380520}"/>
+              </a:ext>
+            </a:extLst>
+          </p:cNvPr>
+          <p:cNvSpPr>
+            <a:spLocks noGrp="1"/>
+          </p:cNvSpPr>
+          <p:nvPr>
+            <p:ph idx="1"/>
+          </p:nvPr>
+        </p:nvSpPr>
+        <p:spPr>
+          <a:xfrm>
+            <a:off x="582705" y="4035569"/>
+            <a:ext cx="11291048" cy="2141393"/>
+          </a:xfrm>
+        </p:spPr>
+        <p:txBody>
+          <a:bodyPr/>
+          <a:lstStyle/>
+          <a:p>
+            <a:r>
+              <a:rPr lang="en-US" dirty="0"/>
+              <a:t>If you apply a first-order differencing to a non-stationary dataset it becomes stationary</a:t>
+            </a:r>
+          </a:p>
+          <a:p>
+            <a:pPr lvl="1"/>
+            <a:r>
+              <a:rPr lang="en-US" dirty="0"/>
+              <a:t>Constant mean with constant variance</a:t>
+            </a:r>
+          </a:p>
+          <a:p>
+            <a:r>
+              <a:rPr lang="en-US" dirty="0"/>
+              <a:t>This makes is suitable for many time series models like ARIMA</a:t>
+            </a:r>
+          </a:p>
+          <a:p>
+            <a:endParaRPr lang="en-US" dirty="0"/>
+          </a:p>
+        </p:txBody>
+      </p:sp>
+      <p:sp>
+        <p:nvSpPr>
+          <p:cNvPr id="4" name="Slide Number Placeholder 3">
+            <a:extLst>
+              <a:ext uri="{FF2B5EF4-FFF2-40B4-BE49-F238E27FC236}">
+                <a16:creationId xmlns:a16="http://schemas.microsoft.com/office/drawing/2014/main" id="{B11E4893-50F1-42ED-16F2-1FA94BA94FB0}"/>
+              </a:ext>
+            </a:extLst>
+          </p:cNvPr>
+          <p:cNvSpPr>
+            <a:spLocks noGrp="1"/>
+          </p:cNvSpPr>
+          <p:nvPr>
+            <p:ph type="sldNum" sz="quarter" idx="12"/>
+          </p:nvPr>
+        </p:nvSpPr>
+        <p:spPr/>
+        <p:txBody>
+          <a:bodyPr/>
+          <a:lstStyle/>
+          <a:p>
+            <a:fld id="{FE1B3154-47D9-4402-8EDB-E791933DC0B9}" type="slidenum">
+              <a:rPr lang="nl-BE" smtClean="0"/>
+              <a:pPr/>
+              <a:t>11</a:t>
+            </a:fld>
+            <a:endParaRPr lang="nl-BE"/>
+          </a:p>
+        </p:txBody>
+      </p:sp>
+      <p:pic>
+        <p:nvPicPr>
+          <p:cNvPr id="6" name="Picture 5">
+            <a:extLst>
+              <a:ext uri="{FF2B5EF4-FFF2-40B4-BE49-F238E27FC236}">
+                <a16:creationId xmlns:a16="http://schemas.microsoft.com/office/drawing/2014/main" id="{60A6E37F-DE7E-82FA-061E-2CB850D5A200}"/>
+              </a:ext>
+            </a:extLst>
+          </p:cNvPr>
+          <p:cNvPicPr>
+            <a:picLocks noChangeAspect="1"/>
+          </p:cNvPicPr>
+          <p:nvPr/>
+        </p:nvPicPr>
+        <p:blipFill>
+          <a:blip r:embed="rId2"/>
+          <a:stretch>
+            <a:fillRect/>
+          </a:stretch>
+        </p:blipFill>
+        <p:spPr>
+          <a:xfrm>
+            <a:off x="2551602" y="1464527"/>
+            <a:ext cx="6833302" cy="2391656"/>
+          </a:xfrm>
+          <a:prstGeom prst="rect">
+            <a:avLst/>
+          </a:prstGeom>
+        </p:spPr>
+      </p:pic>
+    </p:spTree>
+    <p:extLst>
+      <p:ext uri="{BB962C8B-B14F-4D97-AF65-F5344CB8AC3E}">
+        <p14:creationId xmlns:p14="http://schemas.microsoft.com/office/powerpoint/2010/main" val="766973524"/>
+      </p:ext>
+    </p:extLst>
+  </p:cSld>
+  <p:clrMapOvr>
+    <a:masterClrMapping/>
+  </p:clrMapOvr>
+</p:sld>
+</file>
+
+<file path=ppt/slides/slide12.xml><?xml version="1.0" encoding="utf-8"?>
+<p:sld xmlns:a="http://schemas.openxmlformats.org/drawingml/2006/main" xmlns:r="http://schemas.openxmlformats.org/officeDocument/2006/relationships" xmlns:p="http://schemas.openxmlformats.org/presentationml/2006/main">
+  <p:cSld>
+    <p:spTree>
+      <p:nvGrpSpPr>
+        <p:cNvPr id="1" name=""/>
+        <p:cNvGrpSpPr/>
+        <p:nvPr/>
+      </p:nvGrpSpPr>
+      <p:grpSpPr>
+        <a:xfrm>
+          <a:off x="0" y="0"/>
+          <a:ext cx="0" cy="0"/>
+          <a:chOff x="0" y="0"/>
+          <a:chExt cx="0" cy="0"/>
+        </a:xfrm>
+      </p:grpSpPr>
+      <p:sp>
+        <p:nvSpPr>
+          <p:cNvPr id="2" name="Title 1">
+            <a:extLst>
+              <a:ext uri="{FF2B5EF4-FFF2-40B4-BE49-F238E27FC236}">
+                <a16:creationId xmlns:a16="http://schemas.microsoft.com/office/drawing/2014/main" id="{0B120AE7-0EF6-DB20-EAA3-DF58921E2B4A}"/>
+              </a:ext>
+            </a:extLst>
+          </p:cNvPr>
+          <p:cNvSpPr>
+            <a:spLocks noGrp="1"/>
+          </p:cNvSpPr>
+          <p:nvPr>
+            <p:ph type="title"/>
+          </p:nvPr>
+        </p:nvSpPr>
+        <p:spPr/>
+        <p:txBody>
+          <a:bodyPr/>
+          <a:lstStyle/>
+          <a:p>
+            <a:r>
+              <a:rPr lang="en-US" dirty="0"/>
+              <a:t>First order differencing</a:t>
+            </a:r>
+          </a:p>
+        </p:txBody>
+      </p:sp>
+      <p:sp>
+        <p:nvSpPr>
+          <p:cNvPr id="3" name="Content Placeholder 2">
+            <a:extLst>
+              <a:ext uri="{FF2B5EF4-FFF2-40B4-BE49-F238E27FC236}">
+                <a16:creationId xmlns:a16="http://schemas.microsoft.com/office/drawing/2014/main" id="{93B053A5-967A-3E72-CCD3-E6C2BF77667C}"/>
+              </a:ext>
+            </a:extLst>
+          </p:cNvPr>
+          <p:cNvSpPr>
+            <a:spLocks noGrp="1"/>
+          </p:cNvSpPr>
+          <p:nvPr>
+            <p:ph idx="1"/>
+          </p:nvPr>
+        </p:nvSpPr>
+        <p:spPr/>
+        <p:txBody>
+          <a:bodyPr/>
+          <a:lstStyle/>
+          <a:p>
+            <a:r>
+              <a:rPr lang="en-US" dirty="0"/>
+              <a:t>You deduct the previous datapoint from every datapoint</a:t>
+            </a:r>
+          </a:p>
+          <a:p>
+            <a:endParaRPr lang="en-US" dirty="0"/>
+          </a:p>
+          <a:p>
+            <a:r>
+              <a:rPr lang="en-US" dirty="0"/>
+              <a:t>Example:</a:t>
+            </a:r>
+          </a:p>
+        </p:txBody>
+      </p:sp>
+      <p:sp>
+        <p:nvSpPr>
+          <p:cNvPr id="4" name="Slide Number Placeholder 3">
+            <a:extLst>
+              <a:ext uri="{FF2B5EF4-FFF2-40B4-BE49-F238E27FC236}">
+                <a16:creationId xmlns:a16="http://schemas.microsoft.com/office/drawing/2014/main" id="{E1D176B1-34C2-7812-179B-39FACCC2290B}"/>
+              </a:ext>
+            </a:extLst>
+          </p:cNvPr>
+          <p:cNvSpPr>
+            <a:spLocks noGrp="1"/>
+          </p:cNvSpPr>
+          <p:nvPr>
+            <p:ph type="sldNum" sz="quarter" idx="12"/>
+          </p:nvPr>
+        </p:nvSpPr>
+        <p:spPr/>
+        <p:txBody>
+          <a:bodyPr/>
+          <a:lstStyle/>
+          <a:p>
+            <a:fld id="{FE1B3154-47D9-4402-8EDB-E791933DC0B9}" type="slidenum">
+              <a:rPr lang="nl-BE" smtClean="0"/>
+              <a:pPr/>
+              <a:t>12</a:t>
+            </a:fld>
+            <a:endParaRPr lang="nl-BE"/>
+          </a:p>
+        </p:txBody>
+      </p:sp>
+      <p:pic>
+        <p:nvPicPr>
+          <p:cNvPr id="6" name="Picture 5">
+            <a:extLst>
+              <a:ext uri="{FF2B5EF4-FFF2-40B4-BE49-F238E27FC236}">
+                <a16:creationId xmlns:a16="http://schemas.microsoft.com/office/drawing/2014/main" id="{1DBF17DE-BD80-8D6C-9003-713EBDF6121E}"/>
+              </a:ext>
+            </a:extLst>
+          </p:cNvPr>
+          <p:cNvPicPr>
+            <a:picLocks noChangeAspect="1"/>
+          </p:cNvPicPr>
+          <p:nvPr/>
+        </p:nvPicPr>
+        <p:blipFill>
+          <a:blip r:embed="rId2"/>
+          <a:stretch>
+            <a:fillRect/>
+          </a:stretch>
+        </p:blipFill>
+        <p:spPr>
+          <a:xfrm>
+            <a:off x="2353087" y="2010622"/>
+            <a:ext cx="1752845" cy="314369"/>
+          </a:xfrm>
+          <a:prstGeom prst="rect">
+            <a:avLst/>
+          </a:prstGeom>
+        </p:spPr>
+      </p:pic>
+      <p:pic>
+        <p:nvPicPr>
+          <p:cNvPr id="8" name="Picture 7">
+            <a:extLst>
+              <a:ext uri="{FF2B5EF4-FFF2-40B4-BE49-F238E27FC236}">
+                <a16:creationId xmlns:a16="http://schemas.microsoft.com/office/drawing/2014/main" id="{71E0ED17-23E4-3962-96EC-8D95933D7C1B}"/>
+              </a:ext>
+            </a:extLst>
+          </p:cNvPr>
+          <p:cNvPicPr>
+            <a:picLocks noChangeAspect="1"/>
+          </p:cNvPicPr>
+          <p:nvPr/>
+        </p:nvPicPr>
+        <p:blipFill>
+          <a:blip r:embed="rId3"/>
+          <a:stretch>
+            <a:fillRect/>
+          </a:stretch>
+        </p:blipFill>
+        <p:spPr>
+          <a:xfrm>
+            <a:off x="5789260" y="2020148"/>
+            <a:ext cx="1467055" cy="304843"/>
+          </a:xfrm>
+          <a:prstGeom prst="rect">
+            <a:avLst/>
+          </a:prstGeom>
+        </p:spPr>
+      </p:pic>
+      <p:pic>
+        <p:nvPicPr>
+          <p:cNvPr id="10" name="Picture 9">
+            <a:extLst>
+              <a:ext uri="{FF2B5EF4-FFF2-40B4-BE49-F238E27FC236}">
+                <a16:creationId xmlns:a16="http://schemas.microsoft.com/office/drawing/2014/main" id="{C0D43424-09EC-46B2-0246-00D66FFA7044}"/>
+              </a:ext>
+            </a:extLst>
+          </p:cNvPr>
+          <p:cNvPicPr>
+            <a:picLocks noChangeAspect="1"/>
+          </p:cNvPicPr>
+          <p:nvPr/>
+        </p:nvPicPr>
+        <p:blipFill>
+          <a:blip r:embed="rId4"/>
+          <a:stretch>
+            <a:fillRect/>
+          </a:stretch>
+        </p:blipFill>
+        <p:spPr>
+          <a:xfrm>
+            <a:off x="1105138" y="3037429"/>
+            <a:ext cx="2495898" cy="1933845"/>
+          </a:xfrm>
+          <a:prstGeom prst="rect">
+            <a:avLst/>
+          </a:prstGeom>
+        </p:spPr>
+      </p:pic>
+      <p:sp>
+        <p:nvSpPr>
+          <p:cNvPr id="11" name="Content Placeholder 2">
+            <a:extLst>
+              <a:ext uri="{FF2B5EF4-FFF2-40B4-BE49-F238E27FC236}">
+                <a16:creationId xmlns:a16="http://schemas.microsoft.com/office/drawing/2014/main" id="{43FD9838-9025-B8BF-0D67-5A468C729042}"/>
+              </a:ext>
+            </a:extLst>
+          </p:cNvPr>
+          <p:cNvSpPr txBox="1">
+            <a:spLocks/>
+          </p:cNvSpPr>
+          <p:nvPr/>
+        </p:nvSpPr>
+        <p:spPr>
+          <a:xfrm>
+            <a:off x="4232953" y="3037429"/>
+            <a:ext cx="7793200" cy="3291934"/>
+          </a:xfrm>
+          <a:prstGeom prst="rect">
+            <a:avLst/>
+          </a:prstGeom>
+        </p:spPr>
+        <p:txBody>
+          <a:bodyPr vert="horz" lIns="91440" tIns="45720" rIns="91440" bIns="45720" rtlCol="0">
+            <a:normAutofit/>
+          </a:bodyPr>
+          <a:lstStyle>
+            <a:lvl1pPr marL="228600" indent="-228600" algn="l" defTabSz="914400" rtl="0" eaLnBrk="1" latinLnBrk="0" hangingPunct="1">
+              <a:lnSpc>
+                <a:spcPct val="90000"/>
+              </a:lnSpc>
+              <a:spcBef>
+                <a:spcPts val="1000"/>
+              </a:spcBef>
+              <a:buClr>
+                <a:srgbClr val="4584B6"/>
+              </a:buClr>
+              <a:buFont typeface="Arial" panose="020B0604020202020204" pitchFamily="34" charset="0"/>
+              <a:buChar char="•"/>
+              <a:defRPr sz="2800" kern="1200">
+                <a:solidFill>
+                  <a:schemeClr val="tx1"/>
+                </a:solidFill>
+                <a:latin typeface="+mn-lt"/>
+                <a:ea typeface="+mn-ea"/>
+                <a:cs typeface="+mn-cs"/>
+              </a:defRPr>
+            </a:lvl1pPr>
+            <a:lvl2pPr marL="685800" indent="-228600" algn="l" defTabSz="914400" rtl="0" eaLnBrk="1" latinLnBrk="0" hangingPunct="1">
+              <a:lnSpc>
+                <a:spcPct val="90000"/>
+              </a:lnSpc>
+              <a:spcBef>
+                <a:spcPts val="500"/>
+              </a:spcBef>
+              <a:buClr>
+                <a:srgbClr val="FFDE57"/>
+              </a:buClr>
+              <a:buFont typeface="Arial" panose="020B0604020202020204" pitchFamily="34" charset="0"/>
+              <a:buChar char="•"/>
+              <a:defRPr sz="2600" kern="1200">
+                <a:solidFill>
+                  <a:schemeClr val="tx1"/>
+                </a:solidFill>
+                <a:latin typeface="+mn-lt"/>
+                <a:ea typeface="+mn-ea"/>
+                <a:cs typeface="+mn-cs"/>
+              </a:defRPr>
+            </a:lvl2pPr>
+            <a:lvl3pPr marL="1143000" indent="-228600" algn="l" defTabSz="914400" rtl="0" eaLnBrk="1" latinLnBrk="0" hangingPunct="1">
+              <a:lnSpc>
+                <a:spcPct val="90000"/>
+              </a:lnSpc>
+              <a:spcBef>
+                <a:spcPts val="500"/>
+              </a:spcBef>
+              <a:buClr>
+                <a:srgbClr val="646464"/>
+              </a:buClr>
+              <a:buFont typeface="Arial" panose="020B0604020202020204" pitchFamily="34" charset="0"/>
+              <a:buChar char="•"/>
+              <a:defRPr sz="2400" kern="1200">
+                <a:solidFill>
+                  <a:schemeClr val="tx1"/>
+                </a:solidFill>
+                <a:latin typeface="+mn-lt"/>
+                <a:ea typeface="+mn-ea"/>
+                <a:cs typeface="+mn-cs"/>
+              </a:defRPr>
+            </a:lvl3pPr>
+            <a:lvl4pPr marL="1600200" indent="-228600" algn="l" defTabSz="914400" rtl="0" eaLnBrk="1" latinLnBrk="0" hangingPunct="1">
+              <a:lnSpc>
+                <a:spcPct val="90000"/>
+              </a:lnSpc>
+              <a:spcBef>
+                <a:spcPts val="500"/>
+              </a:spcBef>
+              <a:buFont typeface="Arial" panose="020B0604020202020204" pitchFamily="34" charset="0"/>
+              <a:buChar char="•"/>
+              <a:defRPr sz="2200" kern="1200">
+                <a:solidFill>
+                  <a:schemeClr val="tx1"/>
+                </a:solidFill>
+                <a:latin typeface="+mn-lt"/>
+                <a:ea typeface="+mn-ea"/>
+                <a:cs typeface="+mn-cs"/>
+              </a:defRPr>
+            </a:lvl4pPr>
+            <a:lvl5pPr marL="2057400" indent="-228600" algn="l" defTabSz="914400" rtl="0" eaLnBrk="1" latinLnBrk="0" hangingPunct="1">
+              <a:lnSpc>
+                <a:spcPct val="90000"/>
+              </a:lnSpc>
+              <a:spcBef>
+                <a:spcPts val="500"/>
+              </a:spcBef>
+              <a:buFont typeface="Arial" panose="020B0604020202020204" pitchFamily="34" charset="0"/>
+              <a:buChar char="•"/>
+              <a:defRPr sz="2000" kern="1200">
+                <a:solidFill>
+                  <a:schemeClr val="tx1"/>
+                </a:solidFill>
+                <a:latin typeface="+mn-lt"/>
+                <a:ea typeface="+mn-ea"/>
+                <a:cs typeface="+mn-cs"/>
+              </a:defRPr>
+            </a:lvl5pPr>
+            <a:lvl6pPr marL="2514600" indent="-228600" algn="l" defTabSz="914400" rtl="0" eaLnBrk="1" latinLnBrk="0" hangingPunct="1">
+              <a:lnSpc>
+                <a:spcPct val="90000"/>
+              </a:lnSpc>
+              <a:spcBef>
+                <a:spcPts val="500"/>
+              </a:spcBef>
+              <a:buFont typeface="Arial" panose="020B0604020202020204" pitchFamily="34" charset="0"/>
+              <a:buChar char="•"/>
+              <a:defRPr sz="1800" kern="1200">
+                <a:solidFill>
+                  <a:schemeClr val="tx1"/>
+                </a:solidFill>
+                <a:latin typeface="+mn-lt"/>
+                <a:ea typeface="+mn-ea"/>
+                <a:cs typeface="+mn-cs"/>
+              </a:defRPr>
+            </a:lvl6pPr>
+            <a:lvl7pPr marL="2971800" indent="-228600" algn="l" defTabSz="914400" rtl="0" eaLnBrk="1" latinLnBrk="0" hangingPunct="1">
+              <a:lnSpc>
+                <a:spcPct val="90000"/>
+              </a:lnSpc>
+              <a:spcBef>
+                <a:spcPts val="500"/>
+              </a:spcBef>
+              <a:buFont typeface="Arial" panose="020B0604020202020204" pitchFamily="34" charset="0"/>
+              <a:buChar char="•"/>
+              <a:defRPr sz="1800" kern="1200">
+                <a:solidFill>
+                  <a:schemeClr val="tx1"/>
+                </a:solidFill>
+                <a:latin typeface="+mn-lt"/>
+                <a:ea typeface="+mn-ea"/>
+                <a:cs typeface="+mn-cs"/>
+              </a:defRPr>
+            </a:lvl7pPr>
+            <a:lvl8pPr marL="3429000" indent="-228600" algn="l" defTabSz="914400" rtl="0" eaLnBrk="1" latinLnBrk="0" hangingPunct="1">
+              <a:lnSpc>
+                <a:spcPct val="90000"/>
+              </a:lnSpc>
+              <a:spcBef>
+                <a:spcPts val="500"/>
+              </a:spcBef>
+              <a:buFont typeface="Arial" panose="020B0604020202020204" pitchFamily="34" charset="0"/>
+              <a:buChar char="•"/>
+              <a:defRPr sz="1800" kern="1200">
+                <a:solidFill>
+                  <a:schemeClr val="tx1"/>
+                </a:solidFill>
+                <a:latin typeface="+mn-lt"/>
+                <a:ea typeface="+mn-ea"/>
+                <a:cs typeface="+mn-cs"/>
+              </a:defRPr>
+            </a:lvl8pPr>
+            <a:lvl9pPr marL="3886200" indent="-228600" algn="l" defTabSz="914400" rtl="0" eaLnBrk="1" latinLnBrk="0" hangingPunct="1">
+              <a:lnSpc>
+                <a:spcPct val="90000"/>
+              </a:lnSpc>
+              <a:spcBef>
+                <a:spcPts val="500"/>
+              </a:spcBef>
+              <a:buFont typeface="Arial" panose="020B0604020202020204" pitchFamily="34" charset="0"/>
+              <a:buChar char="•"/>
+              <a:defRPr sz="1800" kern="1200">
+                <a:solidFill>
+                  <a:schemeClr val="tx1"/>
+                </a:solidFill>
+                <a:latin typeface="+mn-lt"/>
+                <a:ea typeface="+mn-ea"/>
+                <a:cs typeface="+mn-cs"/>
+              </a:defRPr>
+            </a:lvl9pPr>
+          </a:lstStyle>
+          <a:p>
+            <a:r>
+              <a:rPr lang="en-US"/>
+              <a:t>Why Use It?</a:t>
+            </a:r>
+          </a:p>
+          <a:p>
+            <a:pPr lvl="1"/>
+            <a:r>
+              <a:rPr lang="en-US"/>
+              <a:t>Removes trend, making data more stable over time</a:t>
+            </a:r>
+          </a:p>
+          <a:p>
+            <a:pPr lvl="1"/>
+            <a:r>
+              <a:rPr lang="en-US"/>
+              <a:t>Many models like ARIMA assume stationary input</a:t>
+            </a:r>
+          </a:p>
+          <a:p>
+            <a:pPr lvl="1"/>
+            <a:r>
+              <a:rPr lang="en-US"/>
+              <a:t>Makes it easier to identify seasonality or cycles</a:t>
+            </a:r>
+            <a:endParaRPr lang="en-US" dirty="0"/>
+          </a:p>
+        </p:txBody>
+      </p:sp>
+      <p:pic>
+        <p:nvPicPr>
+          <p:cNvPr id="13" name="Picture 12">
+            <a:extLst>
+              <a:ext uri="{FF2B5EF4-FFF2-40B4-BE49-F238E27FC236}">
+                <a16:creationId xmlns:a16="http://schemas.microsoft.com/office/drawing/2014/main" id="{F96AF4AD-4EC2-E238-35AC-485EDE26D8CC}"/>
+              </a:ext>
+            </a:extLst>
+          </p:cNvPr>
+          <p:cNvPicPr>
+            <a:picLocks noChangeAspect="1"/>
+          </p:cNvPicPr>
+          <p:nvPr/>
+        </p:nvPicPr>
+        <p:blipFill>
+          <a:blip r:embed="rId5"/>
+          <a:stretch>
+            <a:fillRect/>
+          </a:stretch>
+        </p:blipFill>
+        <p:spPr>
+          <a:xfrm>
+            <a:off x="582705" y="5140395"/>
+            <a:ext cx="3795910" cy="438472"/>
+          </a:xfrm>
+          <a:prstGeom prst="rect">
+            <a:avLst/>
+          </a:prstGeom>
+        </p:spPr>
+      </p:pic>
+    </p:spTree>
+    <p:extLst>
+      <p:ext uri="{BB962C8B-B14F-4D97-AF65-F5344CB8AC3E}">
+        <p14:creationId xmlns:p14="http://schemas.microsoft.com/office/powerpoint/2010/main" val="4238183894"/>
+      </p:ext>
+    </p:extLst>
+  </p:cSld>
+  <p:clrMapOvr>
+    <a:masterClrMapping/>
+  </p:clrMapOvr>
+</p:sld>
+</file>
+
+<file path=ppt/slides/slide13.xml><?xml version="1.0" encoding="utf-8"?>
+<p:sld xmlns:a="http://schemas.openxmlformats.org/drawingml/2006/main" xmlns:r="http://schemas.openxmlformats.org/officeDocument/2006/relationships" xmlns:p="http://schemas.openxmlformats.org/presentationml/2006/main">
+  <p:cSld>
+    <p:spTree>
+      <p:nvGrpSpPr>
+        <p:cNvPr id="1" name=""/>
+        <p:cNvGrpSpPr/>
+        <p:nvPr/>
+      </p:nvGrpSpPr>
+      <p:grpSpPr>
+        <a:xfrm>
+          <a:off x="0" y="0"/>
+          <a:ext cx="0" cy="0"/>
+          <a:chOff x="0" y="0"/>
+          <a:chExt cx="0" cy="0"/>
+        </a:xfrm>
+      </p:grpSpPr>
+      <p:sp>
+        <p:nvSpPr>
+          <p:cNvPr id="2" name="Title 1">
+            <a:extLst>
+              <a:ext uri="{FF2B5EF4-FFF2-40B4-BE49-F238E27FC236}">
+                <a16:creationId xmlns:a16="http://schemas.microsoft.com/office/drawing/2014/main" id="{C33920C6-EA0C-91AC-97EF-E509CDA9E15F}"/>
+              </a:ext>
+            </a:extLst>
+          </p:cNvPr>
+          <p:cNvSpPr>
+            <a:spLocks noGrp="1"/>
+          </p:cNvSpPr>
+          <p:nvPr>
+            <p:ph type="title"/>
+          </p:nvPr>
+        </p:nvSpPr>
+        <p:spPr/>
+        <p:txBody>
+          <a:bodyPr/>
+          <a:lstStyle/>
+          <a:p>
+            <a:endParaRPr lang="en-US"/>
+          </a:p>
+        </p:txBody>
+      </p:sp>
+      <p:sp>
+        <p:nvSpPr>
+          <p:cNvPr id="3" name="Content Placeholder 2">
+            <a:extLst>
+              <a:ext uri="{FF2B5EF4-FFF2-40B4-BE49-F238E27FC236}">
+                <a16:creationId xmlns:a16="http://schemas.microsoft.com/office/drawing/2014/main" id="{C2741A76-B689-8AA0-FBED-DD402C355230}"/>
+              </a:ext>
+            </a:extLst>
+          </p:cNvPr>
+          <p:cNvSpPr>
+            <a:spLocks noGrp="1"/>
+          </p:cNvSpPr>
+          <p:nvPr>
+            <p:ph idx="1"/>
+          </p:nvPr>
+        </p:nvSpPr>
+        <p:spPr/>
+        <p:txBody>
+          <a:bodyPr/>
+          <a:lstStyle/>
+          <a:p>
+            <a:r>
+              <a:rPr lang="en-US" dirty="0"/>
+              <a:t>Why Use It?</a:t>
+            </a:r>
+          </a:p>
+          <a:p>
+            <a:pPr lvl="1"/>
+            <a:r>
+              <a:rPr lang="en-US" dirty="0"/>
+              <a:t>Removes trend, making data more stable over time</a:t>
+            </a:r>
+          </a:p>
+          <a:p>
+            <a:pPr lvl="1"/>
+            <a:r>
+              <a:rPr lang="en-US" dirty="0"/>
+              <a:t>Many models like ARIMA assume stationary input</a:t>
+            </a:r>
+          </a:p>
+          <a:p>
+            <a:pPr lvl="1"/>
+            <a:r>
+              <a:rPr lang="en-US" dirty="0"/>
+              <a:t>Makes it easier to identify seasonality or cycles</a:t>
+            </a:r>
+          </a:p>
+        </p:txBody>
+      </p:sp>
+      <p:sp>
+        <p:nvSpPr>
+          <p:cNvPr id="4" name="Slide Number Placeholder 3">
+            <a:extLst>
+              <a:ext uri="{FF2B5EF4-FFF2-40B4-BE49-F238E27FC236}">
+                <a16:creationId xmlns:a16="http://schemas.microsoft.com/office/drawing/2014/main" id="{05D5CC03-600E-C3B0-D645-AED1FC232132}"/>
+              </a:ext>
+            </a:extLst>
+          </p:cNvPr>
+          <p:cNvSpPr>
+            <a:spLocks noGrp="1"/>
+          </p:cNvSpPr>
+          <p:nvPr>
+            <p:ph type="sldNum" sz="quarter" idx="12"/>
+          </p:nvPr>
+        </p:nvSpPr>
+        <p:spPr/>
+        <p:txBody>
+          <a:bodyPr/>
+          <a:lstStyle/>
+          <a:p>
+            <a:fld id="{FE1B3154-47D9-4402-8EDB-E791933DC0B9}" type="slidenum">
+              <a:rPr lang="nl-BE" smtClean="0"/>
+              <a:pPr/>
+              <a:t>13</a:t>
+            </a:fld>
+            <a:endParaRPr lang="nl-BE"/>
+          </a:p>
+        </p:txBody>
+      </p:sp>
+    </p:spTree>
+    <p:extLst>
+      <p:ext uri="{BB962C8B-B14F-4D97-AF65-F5344CB8AC3E}">
+        <p14:creationId xmlns:p14="http://schemas.microsoft.com/office/powerpoint/2010/main" val="1373611964"/>
+      </p:ext>
+    </p:extLst>
+  </p:cSld>
+  <p:clrMapOvr>
+    <a:masterClrMapping/>
+  </p:clrMapOvr>
+</p:sld>
+</file>
+
 <file path=ppt/slides/slide2.xml><?xml version="1.0" encoding="utf-8"?>
 <p:sld xmlns:a="http://schemas.openxmlformats.org/drawingml/2006/main" xmlns:r="http://schemas.openxmlformats.org/officeDocument/2006/relationships" xmlns:p="http://schemas.openxmlformats.org/presentationml/2006/main">
   <p:cSld>
@@ -4140,7 +5114,11 @@
           <a:bodyPr/>
           <a:lstStyle/>
           <a:p>
-            <a:endParaRPr lang="en-US"/>
+            <a:r>
+              <a:rPr lang="en-US" noProof="0" dirty="0"/>
+              <a:t>Non-time-series data</a:t>
+            </a:r>
+            <a:endParaRPr lang="en-US" dirty="0"/>
           </a:p>
         </p:txBody>
       </p:sp>
@@ -4160,12 +5138,45 @@
             <p:ph idx="1"/>
           </p:nvPr>
         </p:nvSpPr>
-        <p:spPr/>
-        <p:txBody>
-          <a:bodyPr/>
-          <a:lstStyle/>
-          <a:p>
-            <a:endParaRPr lang="en-US"/>
+        <p:spPr>
+          <a:xfrm>
+            <a:off x="582705" y="1550894"/>
+            <a:ext cx="6548721" cy="4626069"/>
+          </a:xfrm>
+        </p:spPr>
+        <p:txBody>
+          <a:bodyPr/>
+          <a:lstStyle/>
+          <a:p>
+            <a:r>
+              <a:rPr lang="en-US" noProof="0" dirty="0"/>
+              <a:t>We have days and record temperature and ice cream sales per day</a:t>
+            </a:r>
+          </a:p>
+          <a:p>
+            <a:r>
+              <a:rPr lang="en-US" noProof="0" dirty="0"/>
+              <a:t>The dataset has one average for temperature and one for sales</a:t>
+            </a:r>
+          </a:p>
+          <a:p>
+            <a:r>
+              <a:rPr lang="en-US" noProof="0" dirty="0"/>
+              <a:t>These numbers wouldn’t change if we moved the days around</a:t>
+            </a:r>
+          </a:p>
+          <a:p>
+            <a:pPr lvl="1"/>
+            <a:r>
+              <a:rPr lang="en-US" noProof="0" dirty="0"/>
+              <a:t>Swap day 2 and 4</a:t>
+            </a:r>
+          </a:p>
+          <a:p>
+            <a:endParaRPr lang="en-US" noProof="0" dirty="0"/>
+          </a:p>
+          <a:p>
+            <a:endParaRPr lang="en-US" dirty="0"/>
           </a:p>
         </p:txBody>
       </p:sp>
@@ -4199,6 +5210,36 @@
           </a:p>
         </p:txBody>
       </p:sp>
+      <p:pic>
+        <p:nvPicPr>
+          <p:cNvPr id="5" name="Picture 4">
+            <a:extLst>
+              <a:ext uri="{FF2B5EF4-FFF2-40B4-BE49-F238E27FC236}">
+                <a16:creationId xmlns:a16="http://schemas.microsoft.com/office/drawing/2014/main" id="{9C1F9599-C12F-39EF-0205-D85D449E981C}"/>
+              </a:ext>
+            </a:extLst>
+          </p:cNvPr>
+          <p:cNvPicPr>
+            <a:picLocks noChangeAspect="1"/>
+          </p:cNvPicPr>
+          <p:nvPr/>
+        </p:nvPicPr>
+        <p:blipFill>
+          <a:blip r:embed="rId2"/>
+          <a:stretch>
+            <a:fillRect/>
+          </a:stretch>
+        </p:blipFill>
+        <p:spPr>
+          <a:xfrm>
+            <a:off x="7131426" y="1533353"/>
+            <a:ext cx="4869180" cy="4935881"/>
+          </a:xfrm>
+          <a:prstGeom prst="rect">
+            <a:avLst/>
+          </a:prstGeom>
+        </p:spPr>
+      </p:pic>
     </p:spTree>
     <p:extLst>
       <p:ext uri="{BB962C8B-B14F-4D97-AF65-F5344CB8AC3E}">
@@ -4234,7 +5275,7 @@
           <p:cNvPr id="2" name="Title 1">
             <a:extLst>
               <a:ext uri="{FF2B5EF4-FFF2-40B4-BE49-F238E27FC236}">
-                <a16:creationId xmlns:a16="http://schemas.microsoft.com/office/drawing/2014/main" id="{BF7A78C4-C4BE-99E7-0493-7FE5E6BC77A9}"/>
+                <a16:creationId xmlns:a16="http://schemas.microsoft.com/office/drawing/2014/main" id="{C0E0C9B5-074B-CA25-555E-D7C3BC30D598}"/>
               </a:ext>
             </a:extLst>
           </p:cNvPr>
@@ -4252,8 +5293,9 @@
           <a:p>
             <a:r>
               <a:rPr lang="en-US" noProof="0" dirty="0"/>
-              <a:t>Back to work!</a:t>
-            </a:r>
+              <a:t>Time series data</a:t>
+            </a:r>
+            <a:endParaRPr lang="en-US" dirty="0"/>
           </a:p>
         </p:txBody>
       </p:sp>
@@ -4262,7 +5304,7 @@
           <p:cNvPr id="3" name="Content Placeholder 2">
             <a:extLst>
               <a:ext uri="{FF2B5EF4-FFF2-40B4-BE49-F238E27FC236}">
-                <a16:creationId xmlns:a16="http://schemas.microsoft.com/office/drawing/2014/main" id="{8487C3BB-B905-041F-DA54-DFCBE1308979}"/>
+                <a16:creationId xmlns:a16="http://schemas.microsoft.com/office/drawing/2014/main" id="{B645D063-C870-D3E7-FCD4-B47131B2B1D4}"/>
               </a:ext>
             </a:extLst>
           </p:cNvPr>
@@ -4280,68 +5322,45 @@
           <a:p>
             <a:r>
               <a:rPr lang="en-US" noProof="0" dirty="0"/>
-              <a:t>As said before, this slide is available as a notebook.</a:t>
-            </a:r>
+              <a:t>Definition: Time series data is a sequence of data points collected or recorded at specific time intervals.</a:t>
+            </a:r>
+          </a:p>
+          <a:p>
+            <a:pPr lvl="1"/>
+            <a:r>
+              <a:rPr lang="en-US" noProof="0" dirty="0"/>
+              <a:t>The time component is critical: the data points are ordered chronologically.</a:t>
+            </a:r>
+          </a:p>
+          <a:p>
+            <a:pPr lvl="1"/>
+            <a:r>
+              <a:rPr lang="en-US" noProof="0" dirty="0"/>
+              <a:t>Observations at different time points often exhibit dependencies. Future values can depend on past ones (depicting trends and seasonality).</a:t>
+            </a:r>
+          </a:p>
+          <a:p>
+            <a:pPr lvl="1"/>
+            <a:r>
+              <a:rPr lang="en-US" noProof="0" dirty="0"/>
+              <a:t>Time intervals can be regular (hourly, daily, monthly) or irregular, depending on the domain (e.g., stock prices vs. event-driven data).</a:t>
+            </a:r>
+          </a:p>
+          <a:p>
+            <a:pPr lvl="1"/>
+            <a:r>
+              <a:rPr lang="en-US" noProof="0" dirty="0"/>
+              <a:t>A time series can be univariate (one variable measured over time) or multivariate (multiple variables measured simultaneously).</a:t>
+            </a:r>
+          </a:p>
+          <a:p>
+            <a:r>
+              <a:rPr lang="en-US" noProof="0" dirty="0"/>
+              <a:t>Applications: Forecasting (sales, stock prices), anomaly detection (in industrial equipment), and pattern recognition (speech, ECG data).</a:t>
+            </a:r>
+          </a:p>
+          <a:p>
             <a:endParaRPr lang="en-US" dirty="0"/>
-          </a:p>
-          <a:p>
-            <a:r>
-              <a:rPr lang="en-US" noProof="0" dirty="0"/>
-              <a:t>After that we’ll use </a:t>
-            </a:r>
-            <a:r>
-              <a:rPr lang="en-US" noProof="0" dirty="0" err="1"/>
-              <a:t>PyCaret</a:t>
-            </a:r>
-            <a:endParaRPr lang="en-US" noProof="0" dirty="0"/>
-          </a:p>
-          <a:p>
-            <a:pPr lvl="1"/>
-            <a:r>
-              <a:rPr lang="en-US" dirty="0"/>
-              <a:t>Give it some data</a:t>
-            </a:r>
-          </a:p>
-          <a:p>
-            <a:pPr lvl="1"/>
-            <a:r>
-              <a:rPr lang="en-US" dirty="0" err="1"/>
-              <a:t>PyCaret</a:t>
-            </a:r>
-            <a:r>
-              <a:rPr lang="en-US" dirty="0"/>
-              <a:t> creates a bunch of models for us</a:t>
-            </a:r>
-          </a:p>
-          <a:p>
-            <a:pPr lvl="1"/>
-            <a:r>
-              <a:rPr lang="en-US" noProof="0" dirty="0"/>
-              <a:t>We check the parameters an</a:t>
-            </a:r>
-            <a:r>
-              <a:rPr lang="en-US" dirty="0"/>
-              <a:t>d decide which we want to use</a:t>
-            </a:r>
-          </a:p>
-          <a:p>
-            <a:r>
-              <a:rPr lang="en-US" noProof="0" dirty="0"/>
-              <a:t>But first we need to install </a:t>
-            </a:r>
-            <a:r>
-              <a:rPr lang="en-US" dirty="0" err="1"/>
-              <a:t>PyCaret</a:t>
-            </a:r>
-            <a:r>
-              <a:rPr lang="en-US" dirty="0"/>
-              <a:t>, which </a:t>
-            </a:r>
-            <a:r>
-              <a:rPr lang="en-US"/>
-              <a:t>is tricky</a:t>
-            </a:r>
-            <a:endParaRPr lang="en-US" noProof="0" dirty="0"/>
           </a:p>
         </p:txBody>
       </p:sp>
@@ -4350,7 +5369,7 @@
           <p:cNvPr id="4" name="Slide Number Placeholder 3">
             <a:extLst>
               <a:ext uri="{FF2B5EF4-FFF2-40B4-BE49-F238E27FC236}">
-                <a16:creationId xmlns:a16="http://schemas.microsoft.com/office/drawing/2014/main" id="{A3571C44-5A20-711E-E4EE-D612FD858ED3}"/>
+                <a16:creationId xmlns:a16="http://schemas.microsoft.com/office/drawing/2014/main" id="{61767CEE-72F5-57FE-16C5-B45BEF518326}"/>
               </a:ext>
             </a:extLst>
           </p:cNvPr>
@@ -4378,7 +5397,1493 @@
     </p:spTree>
     <p:extLst>
       <p:ext uri="{BB962C8B-B14F-4D97-AF65-F5344CB8AC3E}">
-        <p14:creationId xmlns:p14="http://schemas.microsoft.com/office/powerpoint/2010/main" val="659858190"/>
+        <p14:creationId xmlns:p14="http://schemas.microsoft.com/office/powerpoint/2010/main" val="1280464622"/>
+      </p:ext>
+    </p:extLst>
+  </p:cSld>
+  <p:clrMapOvr>
+    <a:masterClrMapping/>
+  </p:clrMapOvr>
+</p:sld>
+</file>
+
+<file path=ppt/slides/slide4.xml><?xml version="1.0" encoding="utf-8"?>
+<p:sld xmlns:a="http://schemas.openxmlformats.org/drawingml/2006/main" xmlns:r="http://schemas.openxmlformats.org/officeDocument/2006/relationships" xmlns:p="http://schemas.openxmlformats.org/presentationml/2006/main">
+  <p:cSld>
+    <p:spTree>
+      <p:nvGrpSpPr>
+        <p:cNvPr id="1" name=""/>
+        <p:cNvGrpSpPr/>
+        <p:nvPr/>
+      </p:nvGrpSpPr>
+      <p:grpSpPr>
+        <a:xfrm>
+          <a:off x="0" y="0"/>
+          <a:ext cx="0" cy="0"/>
+          <a:chOff x="0" y="0"/>
+          <a:chExt cx="0" cy="0"/>
+        </a:xfrm>
+      </p:grpSpPr>
+      <p:sp>
+        <p:nvSpPr>
+          <p:cNvPr id="2" name="Title 1">
+            <a:extLst>
+              <a:ext uri="{FF2B5EF4-FFF2-40B4-BE49-F238E27FC236}">
+                <a16:creationId xmlns:a16="http://schemas.microsoft.com/office/drawing/2014/main" id="{053344C2-8758-B682-7E52-DE14CE9E3B4F}"/>
+              </a:ext>
+            </a:extLst>
+          </p:cNvPr>
+          <p:cNvSpPr>
+            <a:spLocks noGrp="1"/>
+          </p:cNvSpPr>
+          <p:nvPr>
+            <p:ph type="title"/>
+          </p:nvPr>
+        </p:nvSpPr>
+        <p:spPr/>
+        <p:txBody>
+          <a:bodyPr/>
+          <a:lstStyle/>
+          <a:p>
+            <a:r>
+              <a:rPr lang="en-US" noProof="0" dirty="0"/>
+              <a:t>Trends in time series data</a:t>
+            </a:r>
+            <a:endParaRPr lang="en-US" dirty="0"/>
+          </a:p>
+        </p:txBody>
+      </p:sp>
+      <p:sp>
+        <p:nvSpPr>
+          <p:cNvPr id="3" name="Content Placeholder 2">
+            <a:extLst>
+              <a:ext uri="{FF2B5EF4-FFF2-40B4-BE49-F238E27FC236}">
+                <a16:creationId xmlns:a16="http://schemas.microsoft.com/office/drawing/2014/main" id="{BDD2BC5C-9CF6-0C1C-AD79-651A9390CEEC}"/>
+              </a:ext>
+            </a:extLst>
+          </p:cNvPr>
+          <p:cNvSpPr>
+            <a:spLocks noGrp="1"/>
+          </p:cNvSpPr>
+          <p:nvPr>
+            <p:ph idx="1"/>
+          </p:nvPr>
+        </p:nvSpPr>
+        <p:spPr/>
+        <p:txBody>
+          <a:bodyPr/>
+          <a:lstStyle/>
+          <a:p>
+            <a:r>
+              <a:rPr lang="en-US" noProof="0" dirty="0"/>
+              <a:t>A trend is a long-term increase or decrease in the data over time, reflecting an underlying direction in the data.</a:t>
+            </a:r>
+          </a:p>
+          <a:p>
+            <a:r>
+              <a:rPr lang="en-US" noProof="0" dirty="0"/>
+              <a:t>There are the trends we also see in ‘normal’ data:</a:t>
+            </a:r>
+          </a:p>
+          <a:p>
+            <a:pPr lvl="1"/>
+            <a:r>
+              <a:rPr lang="en-US" noProof="0" dirty="0"/>
+              <a:t>Upward, downward, linear or exponential, logarithmic (= reverse exponential)</a:t>
+            </a:r>
+          </a:p>
+          <a:p>
+            <a:pPr lvl="1"/>
+            <a:r>
+              <a:rPr lang="en-US" noProof="0" dirty="0"/>
+              <a:t>In ‘normal’ data this required two variables, now only one</a:t>
+            </a:r>
+          </a:p>
+          <a:p>
+            <a:r>
+              <a:rPr lang="en-US" noProof="0" dirty="0"/>
+              <a:t>But there are also time-series specific types of trends:</a:t>
+            </a:r>
+          </a:p>
+          <a:p>
+            <a:pPr lvl="1"/>
+            <a:r>
+              <a:rPr lang="en-US" noProof="0" dirty="0"/>
+              <a:t>Seasonal</a:t>
+            </a:r>
+          </a:p>
+          <a:p>
+            <a:endParaRPr lang="en-US" dirty="0"/>
+          </a:p>
+        </p:txBody>
+      </p:sp>
+      <p:sp>
+        <p:nvSpPr>
+          <p:cNvPr id="4" name="Slide Number Placeholder 3">
+            <a:extLst>
+              <a:ext uri="{FF2B5EF4-FFF2-40B4-BE49-F238E27FC236}">
+                <a16:creationId xmlns:a16="http://schemas.microsoft.com/office/drawing/2014/main" id="{4CD60381-3523-C080-88E3-C371E4885BBC}"/>
+              </a:ext>
+            </a:extLst>
+          </p:cNvPr>
+          <p:cNvSpPr>
+            <a:spLocks noGrp="1"/>
+          </p:cNvSpPr>
+          <p:nvPr>
+            <p:ph type="sldNum" sz="quarter" idx="12"/>
+          </p:nvPr>
+        </p:nvSpPr>
+        <p:spPr/>
+        <p:txBody>
+          <a:bodyPr/>
+          <a:lstStyle/>
+          <a:p>
+            <a:fld id="{FE1B3154-47D9-4402-8EDB-E791933DC0B9}" type="slidenum">
+              <a:rPr lang="nl-BE" smtClean="0"/>
+              <a:pPr/>
+              <a:t>4</a:t>
+            </a:fld>
+            <a:endParaRPr lang="nl-BE"/>
+          </a:p>
+        </p:txBody>
+      </p:sp>
+    </p:spTree>
+    <p:extLst>
+      <p:ext uri="{BB962C8B-B14F-4D97-AF65-F5344CB8AC3E}">
+        <p14:creationId xmlns:p14="http://schemas.microsoft.com/office/powerpoint/2010/main" val="2786887177"/>
+      </p:ext>
+    </p:extLst>
+  </p:cSld>
+  <p:clrMapOvr>
+    <a:masterClrMapping/>
+  </p:clrMapOvr>
+</p:sld>
+</file>
+
+<file path=ppt/slides/slide5.xml><?xml version="1.0" encoding="utf-8"?>
+<p:sld xmlns:a="http://schemas.openxmlformats.org/drawingml/2006/main" xmlns:r="http://schemas.openxmlformats.org/officeDocument/2006/relationships" xmlns:p="http://schemas.openxmlformats.org/presentationml/2006/main">
+  <p:cSld>
+    <p:spTree>
+      <p:nvGrpSpPr>
+        <p:cNvPr id="1" name=""/>
+        <p:cNvGrpSpPr/>
+        <p:nvPr/>
+      </p:nvGrpSpPr>
+      <p:grpSpPr>
+        <a:xfrm>
+          <a:off x="0" y="0"/>
+          <a:ext cx="0" cy="0"/>
+          <a:chOff x="0" y="0"/>
+          <a:chExt cx="0" cy="0"/>
+        </a:xfrm>
+      </p:grpSpPr>
+      <p:sp>
+        <p:nvSpPr>
+          <p:cNvPr id="2" name="Title 1">
+            <a:extLst>
+              <a:ext uri="{FF2B5EF4-FFF2-40B4-BE49-F238E27FC236}">
+                <a16:creationId xmlns:a16="http://schemas.microsoft.com/office/drawing/2014/main" id="{0847C1B3-EFCF-D372-8596-1936E9F329EB}"/>
+              </a:ext>
+            </a:extLst>
+          </p:cNvPr>
+          <p:cNvSpPr>
+            <a:spLocks noGrp="1"/>
+          </p:cNvSpPr>
+          <p:nvPr>
+            <p:ph type="title"/>
+          </p:nvPr>
+        </p:nvSpPr>
+        <p:spPr/>
+        <p:txBody>
+          <a:bodyPr/>
+          <a:lstStyle/>
+          <a:p>
+            <a:r>
+              <a:rPr lang="en-US" dirty="0"/>
+              <a:t>Sparse vs dense datasets</a:t>
+            </a:r>
+          </a:p>
+        </p:txBody>
+      </p:sp>
+      <p:sp>
+        <p:nvSpPr>
+          <p:cNvPr id="3" name="Content Placeholder 2">
+            <a:extLst>
+              <a:ext uri="{FF2B5EF4-FFF2-40B4-BE49-F238E27FC236}">
+                <a16:creationId xmlns:a16="http://schemas.microsoft.com/office/drawing/2014/main" id="{F97F00FC-1BEC-E343-B7BE-7DF9E61587E0}"/>
+              </a:ext>
+            </a:extLst>
+          </p:cNvPr>
+          <p:cNvSpPr>
+            <a:spLocks noGrp="1"/>
+          </p:cNvSpPr>
+          <p:nvPr>
+            <p:ph idx="1"/>
+          </p:nvPr>
+        </p:nvSpPr>
+        <p:spPr>
+          <a:xfrm>
+            <a:off x="582705" y="1550894"/>
+            <a:ext cx="7828906" cy="4626069"/>
+          </a:xfrm>
+        </p:spPr>
+        <p:txBody>
+          <a:bodyPr>
+            <a:normAutofit lnSpcReduction="10000"/>
+          </a:bodyPr>
+          <a:lstStyle/>
+          <a:p>
+            <a:r>
+              <a:rPr lang="en-US" dirty="0"/>
+              <a:t>How frequently and consistently data points are recorded?</a:t>
+            </a:r>
+          </a:p>
+          <a:p>
+            <a:r>
+              <a:rPr lang="en-US" dirty="0"/>
+              <a:t>A dense dataset has a value for every time step in the series — even if nothing changed.</a:t>
+            </a:r>
+          </a:p>
+          <a:p>
+            <a:pPr lvl="1"/>
+            <a:r>
+              <a:rPr lang="en-US" dirty="0"/>
+              <a:t>Regular intervals: Data is recorded consistently (every minute, every hour)</a:t>
+            </a:r>
+          </a:p>
+          <a:p>
+            <a:pPr lvl="1"/>
+            <a:r>
+              <a:rPr lang="en-US" dirty="0"/>
+              <a:t>No missing timestamps.</a:t>
+            </a:r>
+          </a:p>
+          <a:p>
+            <a:r>
+              <a:rPr lang="en-US" dirty="0"/>
+              <a:t>A sparse dataset only includes entries when something happens</a:t>
+            </a:r>
+          </a:p>
+          <a:p>
+            <a:pPr lvl="1"/>
+            <a:r>
+              <a:rPr lang="en-US" dirty="0"/>
+              <a:t>Irregular intervals</a:t>
+            </a:r>
+          </a:p>
+          <a:p>
+            <a:pPr lvl="1"/>
+            <a:r>
+              <a:rPr lang="en-US" dirty="0"/>
+              <a:t>Gaps between events</a:t>
+            </a:r>
+          </a:p>
+          <a:p>
+            <a:endParaRPr lang="en-US" dirty="0"/>
+          </a:p>
+          <a:p>
+            <a:endParaRPr lang="en-US" dirty="0"/>
+          </a:p>
+        </p:txBody>
+      </p:sp>
+      <p:sp>
+        <p:nvSpPr>
+          <p:cNvPr id="4" name="Slide Number Placeholder 3">
+            <a:extLst>
+              <a:ext uri="{FF2B5EF4-FFF2-40B4-BE49-F238E27FC236}">
+                <a16:creationId xmlns:a16="http://schemas.microsoft.com/office/drawing/2014/main" id="{D087D605-D48A-4DBA-A2FF-74BD19E58DEE}"/>
+              </a:ext>
+            </a:extLst>
+          </p:cNvPr>
+          <p:cNvSpPr>
+            <a:spLocks noGrp="1"/>
+          </p:cNvSpPr>
+          <p:nvPr>
+            <p:ph type="sldNum" sz="quarter" idx="12"/>
+          </p:nvPr>
+        </p:nvSpPr>
+        <p:spPr/>
+        <p:txBody>
+          <a:bodyPr/>
+          <a:lstStyle/>
+          <a:p>
+            <a:fld id="{FE1B3154-47D9-4402-8EDB-E791933DC0B9}" type="slidenum">
+              <a:rPr lang="nl-BE" smtClean="0"/>
+              <a:pPr/>
+              <a:t>5</a:t>
+            </a:fld>
+            <a:endParaRPr lang="nl-BE"/>
+          </a:p>
+        </p:txBody>
+      </p:sp>
+      <p:pic>
+        <p:nvPicPr>
+          <p:cNvPr id="6" name="Picture 5" descr="A crossword puzzle with numbers and symbols&#10;&#10;AI-generated content may be incorrect.">
+            <a:extLst>
+              <a:ext uri="{FF2B5EF4-FFF2-40B4-BE49-F238E27FC236}">
+                <a16:creationId xmlns:a16="http://schemas.microsoft.com/office/drawing/2014/main" id="{02081045-D5E8-5635-7338-E6BD3BDF2ACA}"/>
+              </a:ext>
+            </a:extLst>
+          </p:cNvPr>
+          <p:cNvPicPr>
+            <a:picLocks noChangeAspect="1"/>
+          </p:cNvPicPr>
+          <p:nvPr/>
+        </p:nvPicPr>
+        <p:blipFill>
+          <a:blip r:embed="rId2">
+            <a:extLst>
+              <a:ext uri="{28A0092B-C50C-407E-A947-70E740481C1C}">
+                <a14:useLocalDpi xmlns:a14="http://schemas.microsoft.com/office/drawing/2010/main" val="0"/>
+              </a:ext>
+            </a:extLst>
+          </a:blip>
+          <a:srcRect l="13116" r="10818"/>
+          <a:stretch/>
+        </p:blipFill>
+        <p:spPr>
+          <a:xfrm>
+            <a:off x="8411611" y="1403309"/>
+            <a:ext cx="3677647" cy="2417435"/>
+          </a:xfrm>
+          <a:prstGeom prst="rect">
+            <a:avLst/>
+          </a:prstGeom>
+        </p:spPr>
+      </p:pic>
+      <p:sp>
+        <p:nvSpPr>
+          <p:cNvPr id="7" name="Rectangle 1">
+            <a:extLst>
+              <a:ext uri="{FF2B5EF4-FFF2-40B4-BE49-F238E27FC236}">
+                <a16:creationId xmlns:a16="http://schemas.microsoft.com/office/drawing/2014/main" id="{19238598-50F6-58B2-73D2-ED5FB5E560AC}"/>
+              </a:ext>
+            </a:extLst>
+          </p:cNvPr>
+          <p:cNvSpPr>
+            <a:spLocks noChangeArrowheads="1"/>
+          </p:cNvSpPr>
+          <p:nvPr/>
+        </p:nvSpPr>
+        <p:spPr bwMode="auto">
+          <a:xfrm>
+            <a:off x="0" y="0"/>
+            <a:ext cx="12192000" cy="0"/>
+          </a:xfrm>
+          <a:prstGeom prst="rect">
+            <a:avLst/>
+          </a:prstGeom>
+          <a:noFill/>
+          <a:ln>
+            <a:noFill/>
+          </a:ln>
+          <a:effectLst/>
+          <a:extLst>
+            <a:ext uri="{909E8E84-426E-40DD-AFC4-6F175D3DCCD1}">
+              <a14:hiddenFill xmlns:a14="http://schemas.microsoft.com/office/drawing/2010/main">
+                <a:solidFill>
+                  <a:schemeClr val="accent1"/>
+                </a:solidFill>
+              </a14:hiddenFill>
+            </a:ext>
+            <a:ext uri="{91240B29-F687-4F45-9708-019B960494DF}">
+              <a14:hiddenLine xmlns:a14="http://schemas.microsoft.com/office/drawing/2010/main" w="9525">
+                <a:solidFill>
+                  <a:schemeClr val="tx1"/>
+                </a:solidFill>
+                <a:miter lim="800000"/>
+                <a:headEnd/>
+                <a:tailEnd/>
+              </a14:hiddenLine>
+            </a:ext>
+            <a:ext uri="{AF507438-7753-43E0-B8FC-AC1667EBCBE1}">
+              <a14:hiddenEffects xmlns:a14="http://schemas.microsoft.com/office/drawing/2010/main">
+                <a:effectLst>
+                  <a:outerShdw dist="35921" dir="2700000" algn="ctr" rotWithShape="0">
+                    <a:schemeClr val="bg2"/>
+                  </a:outerShdw>
+                </a:effectLst>
+              </a14:hiddenEffects>
+            </a:ext>
+          </a:extLst>
+        </p:spPr>
+        <p:txBody>
+          <a:bodyPr vert="horz" wrap="none" lIns="91440" tIns="45720" rIns="91440" bIns="45720" numCol="1" anchor="ctr" anchorCtr="0" compatLnSpc="1">
+            <a:prstTxWarp prst="textNoShape">
+              <a:avLst/>
+            </a:prstTxWarp>
+            <a:spAutoFit/>
+          </a:bodyPr>
+          <a:lstStyle/>
+          <a:p>
+            <a:pPr marL="0" marR="0" lvl="0" indent="0" algn="l" defTabSz="914400" rtl="0" eaLnBrk="0" fontAlgn="base" latinLnBrk="0" hangingPunct="0">
+              <a:lnSpc>
+                <a:spcPct val="100000"/>
+              </a:lnSpc>
+              <a:spcBef>
+                <a:spcPct val="0"/>
+              </a:spcBef>
+              <a:spcAft>
+                <a:spcPct val="0"/>
+              </a:spcAft>
+              <a:buClrTx/>
+              <a:buSzTx/>
+              <a:buFontTx/>
+              <a:buChar char="•"/>
+              <a:tabLst/>
+            </a:pPr>
+            <a:r>
+              <a:rPr kumimoji="0" lang="en-BE" altLang="en-BE" sz="1800" b="1" i="0" u="none" strike="noStrike" cap="none" normalizeH="0" baseline="0">
+                <a:ln>
+                  <a:noFill/>
+                </a:ln>
+                <a:solidFill>
+                  <a:schemeClr val="tx1"/>
+                </a:solidFill>
+                <a:effectLst/>
+                <a:latin typeface="Arial" panose="020B0604020202020204" pitchFamily="34" charset="0"/>
+              </a:rPr>
+              <a:t>Irregular intervals.</a:t>
+            </a:r>
+            <a:endParaRPr kumimoji="0" lang="en-BE" altLang="en-BE" sz="1800" b="0" i="0" u="none" strike="noStrike" cap="none" normalizeH="0" baseline="0">
+              <a:ln>
+                <a:noFill/>
+              </a:ln>
+              <a:solidFill>
+                <a:schemeClr val="tx1"/>
+              </a:solidFill>
+              <a:effectLst/>
+              <a:latin typeface="Arial" panose="020B0604020202020204" pitchFamily="34" charset="0"/>
+            </a:endParaRPr>
+          </a:p>
+          <a:p>
+            <a:pPr marL="0" marR="0" lvl="0" indent="0" algn="l" defTabSz="914400" rtl="0" eaLnBrk="0" fontAlgn="base" latinLnBrk="0" hangingPunct="0">
+              <a:lnSpc>
+                <a:spcPct val="100000"/>
+              </a:lnSpc>
+              <a:spcBef>
+                <a:spcPct val="0"/>
+              </a:spcBef>
+              <a:spcAft>
+                <a:spcPct val="0"/>
+              </a:spcAft>
+              <a:buClrTx/>
+              <a:buSzTx/>
+              <a:buFontTx/>
+              <a:buChar char="•"/>
+              <a:tabLst/>
+            </a:pPr>
+            <a:r>
+              <a:rPr kumimoji="0" lang="en-BE" altLang="en-BE" sz="1800" b="1" i="0" u="none" strike="noStrike" cap="none" normalizeH="0" baseline="0">
+                <a:ln>
+                  <a:noFill/>
+                </a:ln>
+                <a:solidFill>
+                  <a:schemeClr val="tx1"/>
+                </a:solidFill>
+                <a:effectLst/>
+                <a:latin typeface="Arial" panose="020B0604020202020204" pitchFamily="34" charset="0"/>
+              </a:rPr>
+              <a:t>Gaps</a:t>
+            </a:r>
+            <a:r>
+              <a:rPr kumimoji="0" lang="en-BE" altLang="en-BE" sz="1800" b="0" i="0" u="none" strike="noStrike" cap="none" normalizeH="0" baseline="0">
+                <a:ln>
+                  <a:noFill/>
+                </a:ln>
+                <a:solidFill>
+                  <a:schemeClr val="tx1"/>
+                </a:solidFill>
+                <a:effectLst/>
+                <a:latin typeface="Arial" panose="020B0604020202020204" pitchFamily="34" charset="0"/>
+              </a:rPr>
+              <a:t> between events.</a:t>
+            </a:r>
+          </a:p>
+        </p:txBody>
+      </p:sp>
+      <p:pic>
+        <p:nvPicPr>
+          <p:cNvPr id="9" name="Picture 8">
+            <a:extLst>
+              <a:ext uri="{FF2B5EF4-FFF2-40B4-BE49-F238E27FC236}">
+                <a16:creationId xmlns:a16="http://schemas.microsoft.com/office/drawing/2014/main" id="{8D66CDDA-3E9C-62E6-AA0D-42067F595201}"/>
+              </a:ext>
+            </a:extLst>
+          </p:cNvPr>
+          <p:cNvPicPr>
+            <a:picLocks noChangeAspect="1"/>
+          </p:cNvPicPr>
+          <p:nvPr/>
+        </p:nvPicPr>
+        <p:blipFill>
+          <a:blip r:embed="rId3"/>
+          <a:stretch>
+            <a:fillRect/>
+          </a:stretch>
+        </p:blipFill>
+        <p:spPr>
+          <a:xfrm>
+            <a:off x="8549255" y="3345229"/>
+            <a:ext cx="1952898" cy="3486637"/>
+          </a:xfrm>
+          <a:prstGeom prst="rect">
+            <a:avLst/>
+          </a:prstGeom>
+        </p:spPr>
+      </p:pic>
+    </p:spTree>
+    <p:extLst>
+      <p:ext uri="{BB962C8B-B14F-4D97-AF65-F5344CB8AC3E}">
+        <p14:creationId xmlns:p14="http://schemas.microsoft.com/office/powerpoint/2010/main" val="799985610"/>
+      </p:ext>
+    </p:extLst>
+  </p:cSld>
+  <p:clrMapOvr>
+    <a:masterClrMapping/>
+  </p:clrMapOvr>
+</p:sld>
+</file>
+
+<file path=ppt/slides/slide6.xml><?xml version="1.0" encoding="utf-8"?>
+<p:sld xmlns:a="http://schemas.openxmlformats.org/drawingml/2006/main" xmlns:r="http://schemas.openxmlformats.org/officeDocument/2006/relationships" xmlns:p="http://schemas.openxmlformats.org/presentationml/2006/main">
+  <p:cSld>
+    <p:spTree>
+      <p:nvGrpSpPr>
+        <p:cNvPr id="1" name=""/>
+        <p:cNvGrpSpPr/>
+        <p:nvPr/>
+      </p:nvGrpSpPr>
+      <p:grpSpPr>
+        <a:xfrm>
+          <a:off x="0" y="0"/>
+          <a:ext cx="0" cy="0"/>
+          <a:chOff x="0" y="0"/>
+          <a:chExt cx="0" cy="0"/>
+        </a:xfrm>
+      </p:grpSpPr>
+      <p:sp>
+        <p:nvSpPr>
+          <p:cNvPr id="2" name="Title 1">
+            <a:extLst>
+              <a:ext uri="{FF2B5EF4-FFF2-40B4-BE49-F238E27FC236}">
+                <a16:creationId xmlns:a16="http://schemas.microsoft.com/office/drawing/2014/main" id="{FC0B4F6F-41AB-B8C8-2F07-F3322F4B414B}"/>
+              </a:ext>
+            </a:extLst>
+          </p:cNvPr>
+          <p:cNvSpPr>
+            <a:spLocks noGrp="1"/>
+          </p:cNvSpPr>
+          <p:nvPr>
+            <p:ph type="title"/>
+          </p:nvPr>
+        </p:nvSpPr>
+        <p:spPr/>
+        <p:txBody>
+          <a:bodyPr/>
+          <a:lstStyle/>
+          <a:p>
+            <a:r>
+              <a:rPr lang="en-US" noProof="0" dirty="0"/>
+              <a:t>Sparse vs dense datasets</a:t>
+            </a:r>
+            <a:endParaRPr lang="en-US" dirty="0"/>
+          </a:p>
+        </p:txBody>
+      </p:sp>
+      <p:sp>
+        <p:nvSpPr>
+          <p:cNvPr id="5" name="Content Placeholder 4">
+            <a:extLst>
+              <a:ext uri="{FF2B5EF4-FFF2-40B4-BE49-F238E27FC236}">
+                <a16:creationId xmlns:a16="http://schemas.microsoft.com/office/drawing/2014/main" id="{55515CEB-636A-1783-DD54-98F1EB040DEF}"/>
+              </a:ext>
+            </a:extLst>
+          </p:cNvPr>
+          <p:cNvSpPr>
+            <a:spLocks noGrp="1"/>
+          </p:cNvSpPr>
+          <p:nvPr>
+            <p:ph sz="half" idx="1"/>
+          </p:nvPr>
+        </p:nvSpPr>
+        <p:spPr/>
+        <p:txBody>
+          <a:bodyPr/>
+          <a:lstStyle/>
+          <a:p>
+            <a:r>
+              <a:rPr lang="en-US" noProof="0" dirty="0"/>
+              <a:t> Use Dense Datasets when:</a:t>
+            </a:r>
+          </a:p>
+          <a:p>
+            <a:pPr lvl="1"/>
+            <a:r>
+              <a:rPr lang="en-US" noProof="0" dirty="0"/>
+              <a:t>You have high-frequency data without much sparsity.</a:t>
+            </a:r>
+          </a:p>
+          <a:p>
+            <a:pPr lvl="1"/>
+            <a:r>
+              <a:rPr lang="en-US" noProof="0" dirty="0"/>
+              <a:t>You need simpler calculations and visualizations.</a:t>
+            </a:r>
+          </a:p>
+          <a:p>
+            <a:pPr lvl="1"/>
+            <a:r>
+              <a:rPr lang="en-US" noProof="0" dirty="0"/>
+              <a:t>Memory is not a constraint.</a:t>
+            </a:r>
+          </a:p>
+          <a:p>
+            <a:endParaRPr lang="en-US" dirty="0"/>
+          </a:p>
+        </p:txBody>
+      </p:sp>
+      <p:sp>
+        <p:nvSpPr>
+          <p:cNvPr id="6" name="Content Placeholder 5">
+            <a:extLst>
+              <a:ext uri="{FF2B5EF4-FFF2-40B4-BE49-F238E27FC236}">
+                <a16:creationId xmlns:a16="http://schemas.microsoft.com/office/drawing/2014/main" id="{251816F8-A50C-7C71-DB50-122BCD8A1F5B}"/>
+              </a:ext>
+            </a:extLst>
+          </p:cNvPr>
+          <p:cNvSpPr>
+            <a:spLocks noGrp="1"/>
+          </p:cNvSpPr>
+          <p:nvPr>
+            <p:ph sz="half" idx="2"/>
+          </p:nvPr>
+        </p:nvSpPr>
+        <p:spPr/>
+        <p:txBody>
+          <a:bodyPr/>
+          <a:lstStyle/>
+          <a:p>
+            <a:r>
+              <a:rPr lang="en-US" noProof="0" dirty="0"/>
+              <a:t>Use Sparse Datasets when:</a:t>
+            </a:r>
+          </a:p>
+          <a:p>
+            <a:pPr lvl="1"/>
+            <a:r>
+              <a:rPr lang="en-US" noProof="0" dirty="0"/>
+              <a:t>Your data has many zeros or missing values (e.g., binary indicators, intermittent signals).</a:t>
+            </a:r>
+          </a:p>
+          <a:p>
+            <a:pPr lvl="1"/>
+            <a:r>
+              <a:rPr lang="en-US" noProof="0" dirty="0"/>
+              <a:t>You’re working with event-driven or irregularly changing data.</a:t>
+            </a:r>
+          </a:p>
+          <a:p>
+            <a:pPr lvl="1"/>
+            <a:r>
+              <a:rPr lang="en-US" noProof="0" dirty="0"/>
+              <a:t>Memory efficiency is essential due to dataset size.</a:t>
+            </a:r>
+          </a:p>
+          <a:p>
+            <a:endParaRPr lang="en-US" dirty="0"/>
+          </a:p>
+        </p:txBody>
+      </p:sp>
+      <p:sp>
+        <p:nvSpPr>
+          <p:cNvPr id="4" name="Slide Number Placeholder 3">
+            <a:extLst>
+              <a:ext uri="{FF2B5EF4-FFF2-40B4-BE49-F238E27FC236}">
+                <a16:creationId xmlns:a16="http://schemas.microsoft.com/office/drawing/2014/main" id="{C1711AA7-7A43-9440-B54E-69BFB2D76C12}"/>
+              </a:ext>
+            </a:extLst>
+          </p:cNvPr>
+          <p:cNvSpPr>
+            <a:spLocks noGrp="1"/>
+          </p:cNvSpPr>
+          <p:nvPr>
+            <p:ph type="sldNum" sz="quarter" idx="12"/>
+          </p:nvPr>
+        </p:nvSpPr>
+        <p:spPr/>
+        <p:txBody>
+          <a:bodyPr/>
+          <a:lstStyle/>
+          <a:p>
+            <a:fld id="{FE1B3154-47D9-4402-8EDB-E791933DC0B9}" type="slidenum">
+              <a:rPr lang="nl-BE" smtClean="0"/>
+              <a:pPr/>
+              <a:t>6</a:t>
+            </a:fld>
+            <a:endParaRPr lang="nl-BE"/>
+          </a:p>
+        </p:txBody>
+      </p:sp>
+      <p:sp>
+        <p:nvSpPr>
+          <p:cNvPr id="7" name="Content Placeholder 2">
+            <a:extLst>
+              <a:ext uri="{FF2B5EF4-FFF2-40B4-BE49-F238E27FC236}">
+                <a16:creationId xmlns:a16="http://schemas.microsoft.com/office/drawing/2014/main" id="{185A4C64-A58E-CB9D-7E02-8018E6F30C28}"/>
+              </a:ext>
+            </a:extLst>
+          </p:cNvPr>
+          <p:cNvSpPr txBox="1">
+            <a:spLocks/>
+          </p:cNvSpPr>
+          <p:nvPr/>
+        </p:nvSpPr>
+        <p:spPr>
+          <a:xfrm>
+            <a:off x="838200" y="5743422"/>
+            <a:ext cx="10515600" cy="974026"/>
+          </a:xfrm>
+          <a:prstGeom prst="rect">
+            <a:avLst/>
+          </a:prstGeom>
+        </p:spPr>
+        <p:txBody>
+          <a:bodyPr vert="horz" lIns="91440" tIns="45720" rIns="91440" bIns="45720" rtlCol="0">
+            <a:normAutofit fontScale="85000" lnSpcReduction="20000"/>
+          </a:bodyPr>
+          <a:lstStyle>
+            <a:lvl1pPr marL="228600" indent="-228600" algn="l" defTabSz="914400" rtl="0" eaLnBrk="1" latinLnBrk="0" hangingPunct="1">
+              <a:lnSpc>
+                <a:spcPct val="90000"/>
+              </a:lnSpc>
+              <a:spcBef>
+                <a:spcPts val="1000"/>
+              </a:spcBef>
+              <a:buFont typeface="Arial" panose="020B0604020202020204" pitchFamily="34" charset="0"/>
+              <a:buChar char="•"/>
+              <a:defRPr sz="2800" kern="1200">
+                <a:solidFill>
+                  <a:schemeClr val="tx1"/>
+                </a:solidFill>
+                <a:latin typeface="+mn-lt"/>
+                <a:ea typeface="+mn-ea"/>
+                <a:cs typeface="+mn-cs"/>
+              </a:defRPr>
+            </a:lvl1pPr>
+            <a:lvl2pPr marL="685800" indent="-228600" algn="l" defTabSz="914400" rtl="0" eaLnBrk="1" latinLnBrk="0" hangingPunct="1">
+              <a:lnSpc>
+                <a:spcPct val="90000"/>
+              </a:lnSpc>
+              <a:spcBef>
+                <a:spcPts val="500"/>
+              </a:spcBef>
+              <a:buFont typeface="Arial" panose="020B0604020202020204" pitchFamily="34" charset="0"/>
+              <a:buChar char="•"/>
+              <a:defRPr sz="2400" kern="1200">
+                <a:solidFill>
+                  <a:schemeClr val="tx1"/>
+                </a:solidFill>
+                <a:latin typeface="+mn-lt"/>
+                <a:ea typeface="+mn-ea"/>
+                <a:cs typeface="+mn-cs"/>
+              </a:defRPr>
+            </a:lvl2pPr>
+            <a:lvl3pPr marL="1143000" indent="-228600" algn="l" defTabSz="914400" rtl="0" eaLnBrk="1" latinLnBrk="0" hangingPunct="1">
+              <a:lnSpc>
+                <a:spcPct val="90000"/>
+              </a:lnSpc>
+              <a:spcBef>
+                <a:spcPts val="500"/>
+              </a:spcBef>
+              <a:buFont typeface="Arial" panose="020B0604020202020204" pitchFamily="34" charset="0"/>
+              <a:buChar char="•"/>
+              <a:defRPr sz="2000" kern="1200">
+                <a:solidFill>
+                  <a:schemeClr val="tx1"/>
+                </a:solidFill>
+                <a:latin typeface="+mn-lt"/>
+                <a:ea typeface="+mn-ea"/>
+                <a:cs typeface="+mn-cs"/>
+              </a:defRPr>
+            </a:lvl3pPr>
+            <a:lvl4pPr marL="1600200" indent="-228600" algn="l" defTabSz="914400" rtl="0" eaLnBrk="1" latinLnBrk="0" hangingPunct="1">
+              <a:lnSpc>
+                <a:spcPct val="90000"/>
+              </a:lnSpc>
+              <a:spcBef>
+                <a:spcPts val="500"/>
+              </a:spcBef>
+              <a:buFont typeface="Arial" panose="020B0604020202020204" pitchFamily="34" charset="0"/>
+              <a:buChar char="•"/>
+              <a:defRPr sz="1800" kern="1200">
+                <a:solidFill>
+                  <a:schemeClr val="tx1"/>
+                </a:solidFill>
+                <a:latin typeface="+mn-lt"/>
+                <a:ea typeface="+mn-ea"/>
+                <a:cs typeface="+mn-cs"/>
+              </a:defRPr>
+            </a:lvl4pPr>
+            <a:lvl5pPr marL="2057400" indent="-228600" algn="l" defTabSz="914400" rtl="0" eaLnBrk="1" latinLnBrk="0" hangingPunct="1">
+              <a:lnSpc>
+                <a:spcPct val="90000"/>
+              </a:lnSpc>
+              <a:spcBef>
+                <a:spcPts val="500"/>
+              </a:spcBef>
+              <a:buFont typeface="Arial" panose="020B0604020202020204" pitchFamily="34" charset="0"/>
+              <a:buChar char="•"/>
+              <a:defRPr sz="1800" kern="1200">
+                <a:solidFill>
+                  <a:schemeClr val="tx1"/>
+                </a:solidFill>
+                <a:latin typeface="+mn-lt"/>
+                <a:ea typeface="+mn-ea"/>
+                <a:cs typeface="+mn-cs"/>
+              </a:defRPr>
+            </a:lvl5pPr>
+            <a:lvl6pPr marL="2514600" indent="-228600" algn="l" defTabSz="914400" rtl="0" eaLnBrk="1" latinLnBrk="0" hangingPunct="1">
+              <a:lnSpc>
+                <a:spcPct val="90000"/>
+              </a:lnSpc>
+              <a:spcBef>
+                <a:spcPts val="500"/>
+              </a:spcBef>
+              <a:buFont typeface="Arial" panose="020B0604020202020204" pitchFamily="34" charset="0"/>
+              <a:buChar char="•"/>
+              <a:defRPr sz="1800" kern="1200">
+                <a:solidFill>
+                  <a:schemeClr val="tx1"/>
+                </a:solidFill>
+                <a:latin typeface="+mn-lt"/>
+                <a:ea typeface="+mn-ea"/>
+                <a:cs typeface="+mn-cs"/>
+              </a:defRPr>
+            </a:lvl6pPr>
+            <a:lvl7pPr marL="2971800" indent="-228600" algn="l" defTabSz="914400" rtl="0" eaLnBrk="1" latinLnBrk="0" hangingPunct="1">
+              <a:lnSpc>
+                <a:spcPct val="90000"/>
+              </a:lnSpc>
+              <a:spcBef>
+                <a:spcPts val="500"/>
+              </a:spcBef>
+              <a:buFont typeface="Arial" panose="020B0604020202020204" pitchFamily="34" charset="0"/>
+              <a:buChar char="•"/>
+              <a:defRPr sz="1800" kern="1200">
+                <a:solidFill>
+                  <a:schemeClr val="tx1"/>
+                </a:solidFill>
+                <a:latin typeface="+mn-lt"/>
+                <a:ea typeface="+mn-ea"/>
+                <a:cs typeface="+mn-cs"/>
+              </a:defRPr>
+            </a:lvl7pPr>
+            <a:lvl8pPr marL="3429000" indent="-228600" algn="l" defTabSz="914400" rtl="0" eaLnBrk="1" latinLnBrk="0" hangingPunct="1">
+              <a:lnSpc>
+                <a:spcPct val="90000"/>
+              </a:lnSpc>
+              <a:spcBef>
+                <a:spcPts val="500"/>
+              </a:spcBef>
+              <a:buFont typeface="Arial" panose="020B0604020202020204" pitchFamily="34" charset="0"/>
+              <a:buChar char="•"/>
+              <a:defRPr sz="1800" kern="1200">
+                <a:solidFill>
+                  <a:schemeClr val="tx1"/>
+                </a:solidFill>
+                <a:latin typeface="+mn-lt"/>
+                <a:ea typeface="+mn-ea"/>
+                <a:cs typeface="+mn-cs"/>
+              </a:defRPr>
+            </a:lvl8pPr>
+            <a:lvl9pPr marL="3886200" indent="-228600" algn="l" defTabSz="914400" rtl="0" eaLnBrk="1" latinLnBrk="0" hangingPunct="1">
+              <a:lnSpc>
+                <a:spcPct val="90000"/>
+              </a:lnSpc>
+              <a:spcBef>
+                <a:spcPts val="500"/>
+              </a:spcBef>
+              <a:buFont typeface="Arial" panose="020B0604020202020204" pitchFamily="34" charset="0"/>
+              <a:buChar char="•"/>
+              <a:defRPr sz="1800" kern="1200">
+                <a:solidFill>
+                  <a:schemeClr val="tx1"/>
+                </a:solidFill>
+                <a:latin typeface="+mn-lt"/>
+                <a:ea typeface="+mn-ea"/>
+                <a:cs typeface="+mn-cs"/>
+              </a:defRPr>
+            </a:lvl9pPr>
+          </a:lstStyle>
+          <a:p>
+            <a:r>
+              <a:rPr lang="en-US" dirty="0"/>
+              <a:t>For applications where you need both memory efficiency and the continuity of dense datasets (like with rolling windows on sparse data), it’s often helpful to start with sparse data and convert it to dense format only for specific analyses.</a:t>
+            </a:r>
+            <a:endParaRPr lang="nl-BE" dirty="0"/>
+          </a:p>
+        </p:txBody>
+      </p:sp>
+    </p:spTree>
+    <p:extLst>
+      <p:ext uri="{BB962C8B-B14F-4D97-AF65-F5344CB8AC3E}">
+        <p14:creationId xmlns:p14="http://schemas.microsoft.com/office/powerpoint/2010/main" val="2326725901"/>
+      </p:ext>
+    </p:extLst>
+  </p:cSld>
+  <p:clrMapOvr>
+    <a:masterClrMapping/>
+  </p:clrMapOvr>
+</p:sld>
+</file>
+
+<file path=ppt/slides/slide7.xml><?xml version="1.0" encoding="utf-8"?>
+<p:sld xmlns:a="http://schemas.openxmlformats.org/drawingml/2006/main" xmlns:r="http://schemas.openxmlformats.org/officeDocument/2006/relationships" xmlns:p="http://schemas.openxmlformats.org/presentationml/2006/main">
+  <p:cSld>
+    <p:spTree>
+      <p:nvGrpSpPr>
+        <p:cNvPr id="1" name=""/>
+        <p:cNvGrpSpPr/>
+        <p:nvPr/>
+      </p:nvGrpSpPr>
+      <p:grpSpPr>
+        <a:xfrm>
+          <a:off x="0" y="0"/>
+          <a:ext cx="0" cy="0"/>
+          <a:chOff x="0" y="0"/>
+          <a:chExt cx="0" cy="0"/>
+        </a:xfrm>
+      </p:grpSpPr>
+      <p:sp>
+        <p:nvSpPr>
+          <p:cNvPr id="2" name="Title 1">
+            <a:extLst>
+              <a:ext uri="{FF2B5EF4-FFF2-40B4-BE49-F238E27FC236}">
+                <a16:creationId xmlns:a16="http://schemas.microsoft.com/office/drawing/2014/main" id="{D42DEC34-363D-C554-CC94-A2D8C609ED4E}"/>
+              </a:ext>
+            </a:extLst>
+          </p:cNvPr>
+          <p:cNvSpPr>
+            <a:spLocks noGrp="1"/>
+          </p:cNvSpPr>
+          <p:nvPr>
+            <p:ph type="title"/>
+          </p:nvPr>
+        </p:nvSpPr>
+        <p:spPr/>
+        <p:txBody>
+          <a:bodyPr/>
+          <a:lstStyle/>
+          <a:p>
+            <a:r>
+              <a:rPr lang="nl-BE" dirty="0" err="1"/>
+              <a:t>Why</a:t>
+            </a:r>
+            <a:r>
+              <a:rPr lang="nl-BE" dirty="0"/>
+              <a:t> It Matters</a:t>
+            </a:r>
+            <a:endParaRPr lang="en-US" dirty="0"/>
+          </a:p>
+        </p:txBody>
+      </p:sp>
+      <p:sp>
+        <p:nvSpPr>
+          <p:cNvPr id="6" name="Content Placeholder 5">
+            <a:extLst>
+              <a:ext uri="{FF2B5EF4-FFF2-40B4-BE49-F238E27FC236}">
+                <a16:creationId xmlns:a16="http://schemas.microsoft.com/office/drawing/2014/main" id="{09E5E0DC-E898-96F5-C3F7-D39D03506AA5}"/>
+              </a:ext>
+            </a:extLst>
+          </p:cNvPr>
+          <p:cNvSpPr>
+            <a:spLocks noGrp="1"/>
+          </p:cNvSpPr>
+          <p:nvPr>
+            <p:ph idx="1"/>
+          </p:nvPr>
+        </p:nvSpPr>
+        <p:spPr/>
+        <p:txBody>
+          <a:bodyPr/>
+          <a:lstStyle/>
+          <a:p>
+            <a:r>
+              <a:rPr lang="en-US" dirty="0"/>
+              <a:t>Dense data is easier to work with for things like rolling averages, resampling, and plotting</a:t>
+            </a:r>
+          </a:p>
+          <a:p>
+            <a:r>
+              <a:rPr lang="en-US" dirty="0"/>
+              <a:t>Sparse data is more compact and efficient when recording only changes or events (common in logs or event-driven systems)</a:t>
+            </a:r>
+          </a:p>
+          <a:p>
+            <a:endParaRPr lang="en-US" dirty="0"/>
+          </a:p>
+          <a:p>
+            <a:r>
+              <a:rPr lang="en-US" dirty="0"/>
+              <a:t>To perform most time-series analysis, sparse datasets are typically converted to dense format</a:t>
+            </a:r>
+          </a:p>
+          <a:p>
+            <a:pPr lvl="1"/>
+            <a:r>
+              <a:rPr lang="en-US" dirty="0"/>
+              <a:t>Using techniques like .resample() and .</a:t>
+            </a:r>
+            <a:r>
+              <a:rPr lang="en-US" dirty="0" err="1"/>
+              <a:t>ffill</a:t>
+            </a:r>
+            <a:r>
+              <a:rPr lang="en-US" dirty="0"/>
+              <a:t>() in pandas</a:t>
+            </a:r>
+          </a:p>
+        </p:txBody>
+      </p:sp>
+      <p:sp>
+        <p:nvSpPr>
+          <p:cNvPr id="5" name="Slide Number Placeholder 4">
+            <a:extLst>
+              <a:ext uri="{FF2B5EF4-FFF2-40B4-BE49-F238E27FC236}">
+                <a16:creationId xmlns:a16="http://schemas.microsoft.com/office/drawing/2014/main" id="{24E04155-957F-4652-7519-CAC5679E16DA}"/>
+              </a:ext>
+            </a:extLst>
+          </p:cNvPr>
+          <p:cNvSpPr>
+            <a:spLocks noGrp="1"/>
+          </p:cNvSpPr>
+          <p:nvPr>
+            <p:ph type="sldNum" sz="quarter" idx="12"/>
+          </p:nvPr>
+        </p:nvSpPr>
+        <p:spPr/>
+        <p:txBody>
+          <a:bodyPr/>
+          <a:lstStyle/>
+          <a:p>
+            <a:fld id="{B105FAA3-C3E4-40D0-B2B7-65B62F79F625}" type="slidenum">
+              <a:rPr lang="nl-BE" smtClean="0"/>
+              <a:t>7</a:t>
+            </a:fld>
+            <a:endParaRPr lang="nl-BE"/>
+          </a:p>
+        </p:txBody>
+      </p:sp>
+    </p:spTree>
+    <p:extLst>
+      <p:ext uri="{BB962C8B-B14F-4D97-AF65-F5344CB8AC3E}">
+        <p14:creationId xmlns:p14="http://schemas.microsoft.com/office/powerpoint/2010/main" val="414982935"/>
+      </p:ext>
+    </p:extLst>
+  </p:cSld>
+  <p:clrMapOvr>
+    <a:masterClrMapping/>
+  </p:clrMapOvr>
+</p:sld>
+</file>
+
+<file path=ppt/slides/slide8.xml><?xml version="1.0" encoding="utf-8"?>
+<p:sld xmlns:a="http://schemas.openxmlformats.org/drawingml/2006/main" xmlns:r="http://schemas.openxmlformats.org/officeDocument/2006/relationships" xmlns:p="http://schemas.openxmlformats.org/presentationml/2006/main">
+  <p:cSld>
+    <p:spTree>
+      <p:nvGrpSpPr>
+        <p:cNvPr id="1" name=""/>
+        <p:cNvGrpSpPr/>
+        <p:nvPr/>
+      </p:nvGrpSpPr>
+      <p:grpSpPr>
+        <a:xfrm>
+          <a:off x="0" y="0"/>
+          <a:ext cx="0" cy="0"/>
+          <a:chOff x="0" y="0"/>
+          <a:chExt cx="0" cy="0"/>
+        </a:xfrm>
+      </p:grpSpPr>
+      <p:pic>
+        <p:nvPicPr>
+          <p:cNvPr id="9" name="Picture 8">
+            <a:extLst>
+              <a:ext uri="{FF2B5EF4-FFF2-40B4-BE49-F238E27FC236}">
+                <a16:creationId xmlns:a16="http://schemas.microsoft.com/office/drawing/2014/main" id="{2FAE4E44-AD37-34E3-880D-63B5A8426465}"/>
+              </a:ext>
+            </a:extLst>
+          </p:cNvPr>
+          <p:cNvPicPr>
+            <a:picLocks noChangeAspect="1"/>
+          </p:cNvPicPr>
+          <p:nvPr/>
+        </p:nvPicPr>
+        <p:blipFill>
+          <a:blip r:embed="rId2"/>
+          <a:stretch>
+            <a:fillRect/>
+          </a:stretch>
+        </p:blipFill>
+        <p:spPr>
+          <a:xfrm>
+            <a:off x="655952" y="3670882"/>
+            <a:ext cx="5950780" cy="726458"/>
+          </a:xfrm>
+          <a:prstGeom prst="rect">
+            <a:avLst/>
+          </a:prstGeom>
+        </p:spPr>
+      </p:pic>
+      <p:sp>
+        <p:nvSpPr>
+          <p:cNvPr id="6" name="Title 5">
+            <a:extLst>
+              <a:ext uri="{FF2B5EF4-FFF2-40B4-BE49-F238E27FC236}">
+                <a16:creationId xmlns:a16="http://schemas.microsoft.com/office/drawing/2014/main" id="{F2ED3CCA-AAB9-E1A3-4834-0CF61A2CBBF9}"/>
+              </a:ext>
+            </a:extLst>
+          </p:cNvPr>
+          <p:cNvSpPr>
+            <a:spLocks noGrp="1"/>
+          </p:cNvSpPr>
+          <p:nvPr>
+            <p:ph type="title"/>
+          </p:nvPr>
+        </p:nvSpPr>
+        <p:spPr/>
+        <p:txBody>
+          <a:bodyPr/>
+          <a:lstStyle/>
+          <a:p>
+            <a:r>
+              <a:rPr lang="en-US" noProof="0" dirty="0"/>
+              <a:t>Stationarity in time series</a:t>
+            </a:r>
+            <a:endParaRPr lang="en-US" dirty="0"/>
+          </a:p>
+        </p:txBody>
+      </p:sp>
+      <p:sp>
+        <p:nvSpPr>
+          <p:cNvPr id="7" name="Content Placeholder 6">
+            <a:extLst>
+              <a:ext uri="{FF2B5EF4-FFF2-40B4-BE49-F238E27FC236}">
+                <a16:creationId xmlns:a16="http://schemas.microsoft.com/office/drawing/2014/main" id="{77408CC3-468A-5A62-67FE-9AC744A6B44E}"/>
+              </a:ext>
+            </a:extLst>
+          </p:cNvPr>
+          <p:cNvSpPr>
+            <a:spLocks noGrp="1"/>
+          </p:cNvSpPr>
+          <p:nvPr>
+            <p:ph idx="1"/>
+          </p:nvPr>
+        </p:nvSpPr>
+        <p:spPr/>
+        <p:txBody>
+          <a:bodyPr>
+            <a:normAutofit/>
+          </a:bodyPr>
+          <a:lstStyle/>
+          <a:p>
+            <a:r>
+              <a:rPr lang="en-US" dirty="0"/>
+              <a:t>A stationary time series is one whose statistical properties (like mean, variance, autocorrelation) are constant over time.</a:t>
+            </a:r>
+          </a:p>
+          <a:p>
+            <a:pPr lvl="1"/>
+            <a:r>
+              <a:rPr lang="en-US" dirty="0"/>
+              <a:t>No trend or seasonality</a:t>
+            </a:r>
+          </a:p>
+          <a:p>
+            <a:pPr lvl="1"/>
+            <a:r>
+              <a:rPr lang="en-US" dirty="0"/>
+              <a:t>The series "looks the same" at any point in time</a:t>
+            </a:r>
+          </a:p>
+          <a:p>
+            <a:pPr lvl="1"/>
+            <a:r>
+              <a:rPr lang="en-US" dirty="0"/>
+              <a:t>It's easier to model and predict because the behavior is consistent</a:t>
+            </a:r>
+          </a:p>
+          <a:p>
+            <a:pPr lvl="1"/>
+            <a:endParaRPr lang="en-US" dirty="0"/>
+          </a:p>
+          <a:p>
+            <a:pPr lvl="1"/>
+            <a:endParaRPr lang="en-US" dirty="0"/>
+          </a:p>
+          <a:p>
+            <a:r>
+              <a:rPr lang="en-US" dirty="0"/>
+              <a:t>The mean stays around 10</a:t>
+            </a:r>
+          </a:p>
+          <a:p>
+            <a:r>
+              <a:rPr lang="en-US" dirty="0"/>
+              <a:t>No trend (not increasing or decreasing over time)</a:t>
+            </a:r>
+          </a:p>
+          <a:p>
+            <a:r>
+              <a:rPr lang="en-US" dirty="0"/>
+              <a:t>Variance is stable</a:t>
+            </a:r>
+          </a:p>
+        </p:txBody>
+      </p:sp>
+      <p:sp>
+        <p:nvSpPr>
+          <p:cNvPr id="5" name="Slide Number Placeholder 4">
+            <a:extLst>
+              <a:ext uri="{FF2B5EF4-FFF2-40B4-BE49-F238E27FC236}">
+                <a16:creationId xmlns:a16="http://schemas.microsoft.com/office/drawing/2014/main" id="{D748FEB7-E6D6-9BEE-9B62-65CBADEFAA01}"/>
+              </a:ext>
+            </a:extLst>
+          </p:cNvPr>
+          <p:cNvSpPr>
+            <a:spLocks noGrp="1"/>
+          </p:cNvSpPr>
+          <p:nvPr>
+            <p:ph type="sldNum" sz="quarter" idx="12"/>
+          </p:nvPr>
+        </p:nvSpPr>
+        <p:spPr/>
+        <p:txBody>
+          <a:bodyPr/>
+          <a:lstStyle/>
+          <a:p>
+            <a:fld id="{B105FAA3-C3E4-40D0-B2B7-65B62F79F625}" type="slidenum">
+              <a:rPr lang="nl-BE" smtClean="0"/>
+              <a:t>8</a:t>
+            </a:fld>
+            <a:endParaRPr lang="nl-BE"/>
+          </a:p>
+        </p:txBody>
+      </p:sp>
+    </p:spTree>
+    <p:extLst>
+      <p:ext uri="{BB962C8B-B14F-4D97-AF65-F5344CB8AC3E}">
+        <p14:creationId xmlns:p14="http://schemas.microsoft.com/office/powerpoint/2010/main" val="694766512"/>
+      </p:ext>
+    </p:extLst>
+  </p:cSld>
+  <p:clrMapOvr>
+    <a:masterClrMapping/>
+  </p:clrMapOvr>
+</p:sld>
+</file>
+
+<file path=ppt/slides/slide9.xml><?xml version="1.0" encoding="utf-8"?>
+<p:sld xmlns:a="http://schemas.openxmlformats.org/drawingml/2006/main" xmlns:r="http://schemas.openxmlformats.org/officeDocument/2006/relationships" xmlns:p="http://schemas.openxmlformats.org/presentationml/2006/main">
+  <p:cSld>
+    <p:spTree>
+      <p:nvGrpSpPr>
+        <p:cNvPr id="1" name=""/>
+        <p:cNvGrpSpPr/>
+        <p:nvPr/>
+      </p:nvGrpSpPr>
+      <p:grpSpPr>
+        <a:xfrm>
+          <a:off x="0" y="0"/>
+          <a:ext cx="0" cy="0"/>
+          <a:chOff x="0" y="0"/>
+          <a:chExt cx="0" cy="0"/>
+        </a:xfrm>
+      </p:grpSpPr>
+      <p:sp>
+        <p:nvSpPr>
+          <p:cNvPr id="2" name="Title 1">
+            <a:extLst>
+              <a:ext uri="{FF2B5EF4-FFF2-40B4-BE49-F238E27FC236}">
+                <a16:creationId xmlns:a16="http://schemas.microsoft.com/office/drawing/2014/main" id="{6723E26F-7FDF-C74F-51A2-5F815C705E3E}"/>
+              </a:ext>
+            </a:extLst>
+          </p:cNvPr>
+          <p:cNvSpPr>
+            <a:spLocks noGrp="1"/>
+          </p:cNvSpPr>
+          <p:nvPr>
+            <p:ph type="title"/>
+          </p:nvPr>
+        </p:nvSpPr>
+        <p:spPr/>
+        <p:txBody>
+          <a:bodyPr>
+            <a:normAutofit fontScale="90000"/>
+          </a:bodyPr>
+          <a:lstStyle/>
+          <a:p>
+            <a:r>
+              <a:rPr lang="en-US" dirty="0"/>
+              <a:t>Stability (in control systems or broader dynamics)</a:t>
+            </a:r>
+          </a:p>
+        </p:txBody>
+      </p:sp>
+      <p:sp>
+        <p:nvSpPr>
+          <p:cNvPr id="3" name="Content Placeholder 2">
+            <a:extLst>
+              <a:ext uri="{FF2B5EF4-FFF2-40B4-BE49-F238E27FC236}">
+                <a16:creationId xmlns:a16="http://schemas.microsoft.com/office/drawing/2014/main" id="{309B0091-CB13-8661-1670-5EB0A2494B3A}"/>
+              </a:ext>
+            </a:extLst>
+          </p:cNvPr>
+          <p:cNvSpPr>
+            <a:spLocks noGrp="1"/>
+          </p:cNvSpPr>
+          <p:nvPr>
+            <p:ph idx="1"/>
+          </p:nvPr>
+        </p:nvSpPr>
+        <p:spPr/>
+        <p:txBody>
+          <a:bodyPr/>
+          <a:lstStyle/>
+          <a:p>
+            <a:r>
+              <a:rPr lang="en-US" dirty="0"/>
+              <a:t>Stability usually refers to whether a system returns to equilibrium after a disturbance.</a:t>
+            </a:r>
+          </a:p>
+          <a:p>
+            <a:pPr lvl="1"/>
+            <a:r>
+              <a:rPr lang="en-US" dirty="0"/>
+              <a:t>In a stable system, values stay bounded or return to a steady state</a:t>
+            </a:r>
+          </a:p>
+          <a:p>
+            <a:pPr lvl="1"/>
+            <a:r>
+              <a:rPr lang="en-US" dirty="0"/>
+              <a:t>This means a process that doesn’t explode or spiral out of control</a:t>
+            </a:r>
+          </a:p>
+          <a:p>
+            <a:r>
+              <a:rPr lang="en-US" dirty="0"/>
+              <a:t>Unstable:</a:t>
+            </a:r>
+          </a:p>
+          <a:p>
+            <a:endParaRPr lang="en-US" dirty="0"/>
+          </a:p>
+          <a:p>
+            <a:endParaRPr lang="en-US" dirty="0"/>
+          </a:p>
+          <a:p>
+            <a:r>
+              <a:rPr lang="en-US" dirty="0"/>
+              <a:t>Stable (but not stationary):</a:t>
+            </a:r>
+          </a:p>
+        </p:txBody>
+      </p:sp>
+      <p:sp>
+        <p:nvSpPr>
+          <p:cNvPr id="4" name="Slide Number Placeholder 3">
+            <a:extLst>
+              <a:ext uri="{FF2B5EF4-FFF2-40B4-BE49-F238E27FC236}">
+                <a16:creationId xmlns:a16="http://schemas.microsoft.com/office/drawing/2014/main" id="{4D993A66-0761-B50B-FE27-088D500D83B4}"/>
+              </a:ext>
+            </a:extLst>
+          </p:cNvPr>
+          <p:cNvSpPr>
+            <a:spLocks noGrp="1"/>
+          </p:cNvSpPr>
+          <p:nvPr>
+            <p:ph type="sldNum" sz="quarter" idx="12"/>
+          </p:nvPr>
+        </p:nvSpPr>
+        <p:spPr/>
+        <p:txBody>
+          <a:bodyPr/>
+          <a:lstStyle/>
+          <a:p>
+            <a:fld id="{FE1B3154-47D9-4402-8EDB-E791933DC0B9}" type="slidenum">
+              <a:rPr lang="nl-BE" smtClean="0"/>
+              <a:pPr/>
+              <a:t>9</a:t>
+            </a:fld>
+            <a:endParaRPr lang="nl-BE"/>
+          </a:p>
+        </p:txBody>
+      </p:sp>
+      <p:pic>
+        <p:nvPicPr>
+          <p:cNvPr id="6" name="Picture 5">
+            <a:extLst>
+              <a:ext uri="{FF2B5EF4-FFF2-40B4-BE49-F238E27FC236}">
+                <a16:creationId xmlns:a16="http://schemas.microsoft.com/office/drawing/2014/main" id="{71C11126-467D-6036-C61F-740B51DEF2AF}"/>
+              </a:ext>
+            </a:extLst>
+          </p:cNvPr>
+          <p:cNvPicPr>
+            <a:picLocks noChangeAspect="1"/>
+          </p:cNvPicPr>
+          <p:nvPr/>
+        </p:nvPicPr>
+        <p:blipFill>
+          <a:blip r:embed="rId2"/>
+          <a:stretch>
+            <a:fillRect/>
+          </a:stretch>
+        </p:blipFill>
+        <p:spPr>
+          <a:xfrm>
+            <a:off x="1512527" y="3781734"/>
+            <a:ext cx="4890280" cy="718346"/>
+          </a:xfrm>
+          <a:prstGeom prst="rect">
+            <a:avLst/>
+          </a:prstGeom>
+        </p:spPr>
+      </p:pic>
+      <p:pic>
+        <p:nvPicPr>
+          <p:cNvPr id="8" name="Picture 7">
+            <a:extLst>
+              <a:ext uri="{FF2B5EF4-FFF2-40B4-BE49-F238E27FC236}">
+                <a16:creationId xmlns:a16="http://schemas.microsoft.com/office/drawing/2014/main" id="{3EB3A803-F967-2019-1169-FD8D203BAC30}"/>
+              </a:ext>
+            </a:extLst>
+          </p:cNvPr>
+          <p:cNvPicPr>
+            <a:picLocks noChangeAspect="1"/>
+          </p:cNvPicPr>
+          <p:nvPr/>
+        </p:nvPicPr>
+        <p:blipFill>
+          <a:blip r:embed="rId3"/>
+          <a:stretch>
+            <a:fillRect/>
+          </a:stretch>
+        </p:blipFill>
+        <p:spPr>
+          <a:xfrm>
+            <a:off x="1512527" y="5379025"/>
+            <a:ext cx="4268272" cy="663033"/>
+          </a:xfrm>
+          <a:prstGeom prst="rect">
+            <a:avLst/>
+          </a:prstGeom>
+        </p:spPr>
+      </p:pic>
+    </p:spTree>
+    <p:extLst>
+      <p:ext uri="{BB962C8B-B14F-4D97-AF65-F5344CB8AC3E}">
+        <p14:creationId xmlns:p14="http://schemas.microsoft.com/office/powerpoint/2010/main" val="3700294527"/>
       </p:ext>
     </p:extLst>
   </p:cSld>
